--- a/宣道詩/(宣道詩25)惟獨耶穌.pptx
+++ b/宣道詩/(宣道詩25)惟獨耶穌.pptx
@@ -113,6 +113,11 @@
       </a:defRPr>
     </a:lvl9pPr>
   </p:defaultTextStyle>
+  <p:extLst>
+    <p:ext uri="{EFAFB233-063F-42B5-8137-9DF3F51BA10A}">
+      <p15:sldGuideLst xmlns:p15="http://schemas.microsoft.com/office/powerpoint/2012/main"/>
+    </p:ext>
+  </p:extLst>
 </p:presentation>
 </file>
 
@@ -297,7 +302,7 @@
           <a:p>
             <a:fld id="{24D5CDFD-BD6B-479F-B265-2C7EDA856D3D}" type="datetimeFigureOut">
               <a:rPr lang="vi-VN" smtClean="0"/>
-              <a:t>01/09/2020</a:t>
+              <a:t>12/10/2020</a:t>
             </a:fld>
             <a:endParaRPr lang="vi-VN"/>
           </a:p>
@@ -467,7 +472,7 @@
           <a:p>
             <a:fld id="{24D5CDFD-BD6B-479F-B265-2C7EDA856D3D}" type="datetimeFigureOut">
               <a:rPr lang="vi-VN" smtClean="0"/>
-              <a:t>01/09/2020</a:t>
+              <a:t>12/10/2020</a:t>
             </a:fld>
             <a:endParaRPr lang="vi-VN"/>
           </a:p>
@@ -647,7 +652,7 @@
           <a:p>
             <a:fld id="{24D5CDFD-BD6B-479F-B265-2C7EDA856D3D}" type="datetimeFigureOut">
               <a:rPr lang="vi-VN" smtClean="0"/>
-              <a:t>01/09/2020</a:t>
+              <a:t>12/10/2020</a:t>
             </a:fld>
             <a:endParaRPr lang="vi-VN"/>
           </a:p>
@@ -817,7 +822,7 @@
           <a:p>
             <a:fld id="{24D5CDFD-BD6B-479F-B265-2C7EDA856D3D}" type="datetimeFigureOut">
               <a:rPr lang="vi-VN" smtClean="0"/>
-              <a:t>01/09/2020</a:t>
+              <a:t>12/10/2020</a:t>
             </a:fld>
             <a:endParaRPr lang="vi-VN"/>
           </a:p>
@@ -1063,7 +1068,7 @@
           <a:p>
             <a:fld id="{24D5CDFD-BD6B-479F-B265-2C7EDA856D3D}" type="datetimeFigureOut">
               <a:rPr lang="vi-VN" smtClean="0"/>
-              <a:t>01/09/2020</a:t>
+              <a:t>12/10/2020</a:t>
             </a:fld>
             <a:endParaRPr lang="vi-VN"/>
           </a:p>
@@ -1351,7 +1356,7 @@
           <a:p>
             <a:fld id="{24D5CDFD-BD6B-479F-B265-2C7EDA856D3D}" type="datetimeFigureOut">
               <a:rPr lang="vi-VN" smtClean="0"/>
-              <a:t>01/09/2020</a:t>
+              <a:t>12/10/2020</a:t>
             </a:fld>
             <a:endParaRPr lang="vi-VN"/>
           </a:p>
@@ -1773,7 +1778,7 @@
           <a:p>
             <a:fld id="{24D5CDFD-BD6B-479F-B265-2C7EDA856D3D}" type="datetimeFigureOut">
               <a:rPr lang="vi-VN" smtClean="0"/>
-              <a:t>01/09/2020</a:t>
+              <a:t>12/10/2020</a:t>
             </a:fld>
             <a:endParaRPr lang="vi-VN"/>
           </a:p>
@@ -1891,7 +1896,7 @@
           <a:p>
             <a:fld id="{24D5CDFD-BD6B-479F-B265-2C7EDA856D3D}" type="datetimeFigureOut">
               <a:rPr lang="vi-VN" smtClean="0"/>
-              <a:t>01/09/2020</a:t>
+              <a:t>12/10/2020</a:t>
             </a:fld>
             <a:endParaRPr lang="vi-VN"/>
           </a:p>
@@ -1986,7 +1991,7 @@
           <a:p>
             <a:fld id="{24D5CDFD-BD6B-479F-B265-2C7EDA856D3D}" type="datetimeFigureOut">
               <a:rPr lang="vi-VN" smtClean="0"/>
-              <a:t>01/09/2020</a:t>
+              <a:t>12/10/2020</a:t>
             </a:fld>
             <a:endParaRPr lang="vi-VN"/>
           </a:p>
@@ -2263,7 +2268,7 @@
           <a:p>
             <a:fld id="{24D5CDFD-BD6B-479F-B265-2C7EDA856D3D}" type="datetimeFigureOut">
               <a:rPr lang="vi-VN" smtClean="0"/>
-              <a:t>01/09/2020</a:t>
+              <a:t>12/10/2020</a:t>
             </a:fld>
             <a:endParaRPr lang="vi-VN"/>
           </a:p>
@@ -2520,7 +2525,7 @@
           <a:p>
             <a:fld id="{24D5CDFD-BD6B-479F-B265-2C7EDA856D3D}" type="datetimeFigureOut">
               <a:rPr lang="vi-VN" smtClean="0"/>
-              <a:t>01/09/2020</a:t>
+              <a:t>12/10/2020</a:t>
             </a:fld>
             <a:endParaRPr lang="vi-VN"/>
           </a:p>
@@ -2738,7 +2743,7 @@
           <a:p>
             <a:fld id="{24D5CDFD-BD6B-479F-B265-2C7EDA856D3D}" type="datetimeFigureOut">
               <a:rPr lang="vi-VN" smtClean="0"/>
-              <a:t>01/09/2020</a:t>
+              <a:t>12/10/2020</a:t>
             </a:fld>
             <a:endParaRPr lang="vi-VN"/>
           </a:p>
@@ -3416,19 +3421,9 @@
                 <a:latin typeface="Microsoft JhengHei" panose="020B0604030504040204" pitchFamily="34" charset="-120"/>
                 <a:ea typeface="Microsoft JhengHei" panose="020B0604030504040204" pitchFamily="34" charset="-120"/>
               </a:rPr>
-              <a:t>惟獨耶</a:t>
-            </a:r>
-            <a:r>
-              <a:rPr lang="zh-CN" altLang="en-US" sz="5400" b="1" dirty="0" smtClean="0">
-                <a:solidFill>
-                  <a:srgbClr val="002060"/>
-                </a:solidFill>
-                <a:latin typeface="Microsoft JhengHei" panose="020B0604030504040204" pitchFamily="34" charset="-120"/>
-                <a:ea typeface="Microsoft JhengHei" panose="020B0604030504040204" pitchFamily="34" charset="-120"/>
-              </a:rPr>
-              <a:t>穌  永遠耶穌</a:t>
-            </a:r>
-            <a:endParaRPr lang="en-US" altLang="zh-CN" sz="5400" b="1" dirty="0" smtClean="0">
+              <a:t>惟獨耶穌  永遠耶穌</a:t>
+            </a:r>
+            <a:endParaRPr lang="en-US" altLang="zh-CN" sz="5400" b="1" dirty="0">
               <a:solidFill>
                 <a:srgbClr val="002060"/>
               </a:solidFill>
@@ -3448,19 +3443,9 @@
                 <a:latin typeface="Microsoft JhengHei" panose="020B0604030504040204" pitchFamily="34" charset="-120"/>
                 <a:ea typeface="Microsoft JhengHei" panose="020B0604030504040204" pitchFamily="34" charset="-120"/>
               </a:rPr>
-              <a:t>我</a:t>
-            </a:r>
-            <a:r>
-              <a:rPr lang="zh-CN" altLang="en-US" sz="5400" b="1" dirty="0" smtClean="0">
-                <a:solidFill>
-                  <a:srgbClr val="002060"/>
-                </a:solidFill>
-                <a:latin typeface="Microsoft JhengHei" panose="020B0604030504040204" pitchFamily="34" charset="-120"/>
-                <a:ea typeface="Microsoft JhengHei" panose="020B0604030504040204" pitchFamily="34" charset="-120"/>
-              </a:rPr>
-              <a:t>心讚美  我口宣揚</a:t>
-            </a:r>
-            <a:endParaRPr lang="en-US" altLang="zh-CN" sz="5400" b="1" dirty="0" smtClean="0">
+              <a:t>我心讚美  我口傳揚</a:t>
+            </a:r>
+            <a:endParaRPr lang="en-US" altLang="zh-CN" sz="5400" b="1" dirty="0">
               <a:solidFill>
                 <a:srgbClr val="002060"/>
               </a:solidFill>
@@ -3480,19 +3465,9 @@
                 <a:latin typeface="Microsoft JhengHei" panose="020B0604030504040204" pitchFamily="34" charset="-120"/>
                 <a:ea typeface="Microsoft JhengHei" panose="020B0604030504040204" pitchFamily="34" charset="-120"/>
               </a:rPr>
-              <a:t>救</a:t>
-            </a:r>
-            <a:r>
-              <a:rPr lang="zh-CN" altLang="en-US" sz="5400" b="1" dirty="0" smtClean="0">
-                <a:solidFill>
-                  <a:srgbClr val="002060"/>
-                </a:solidFill>
-                <a:latin typeface="Microsoft JhengHei" panose="020B0604030504040204" pitchFamily="34" charset="-120"/>
-                <a:ea typeface="Microsoft JhengHei" panose="020B0604030504040204" pitchFamily="34" charset="-120"/>
-              </a:rPr>
-              <a:t>我醫我使我成聖</a:t>
-            </a:r>
-            <a:endParaRPr lang="en-US" altLang="zh-CN" sz="5400" b="1" dirty="0" smtClean="0">
+              <a:t>救我醫我使我成聖</a:t>
+            </a:r>
+            <a:endParaRPr lang="en-US" altLang="zh-CN" sz="5400" b="1" dirty="0">
               <a:solidFill>
                 <a:srgbClr val="002060"/>
               </a:solidFill>
@@ -3512,17 +3487,7 @@
                 <a:latin typeface="Microsoft JhengHei" panose="020B0604030504040204" pitchFamily="34" charset="-120"/>
                 <a:ea typeface="Microsoft JhengHei" panose="020B0604030504040204" pitchFamily="34" charset="-120"/>
               </a:rPr>
-              <a:t>榮</a:t>
-            </a:r>
-            <a:r>
-              <a:rPr lang="zh-CN" altLang="en-US" sz="5400" b="1" dirty="0" smtClean="0">
-                <a:solidFill>
-                  <a:srgbClr val="002060"/>
-                </a:solidFill>
-                <a:latin typeface="Microsoft JhengHei" panose="020B0604030504040204" pitchFamily="34" charset="-120"/>
-                <a:ea typeface="Microsoft JhengHei" panose="020B0604030504040204" pitchFamily="34" charset="-120"/>
-              </a:rPr>
-              <a:t>耀救主再來之王</a:t>
+              <a:t>榮耀救主再來之王</a:t>
             </a:r>
             <a:endParaRPr lang="vi-VN" sz="5400" b="1" dirty="0">
               <a:solidFill>
@@ -3679,7 +3644,17 @@
                 <a:latin typeface="Microsoft JhengHei" panose="020B0604030504040204" pitchFamily="34" charset="-120"/>
                 <a:ea typeface="Microsoft JhengHei" panose="020B0604030504040204" pitchFamily="34" charset="-120"/>
               </a:rPr>
-              <a:t>心讚美  我口宣揚</a:t>
+              <a:t>心讚美  我</a:t>
+            </a:r>
+            <a:r>
+              <a:rPr lang="zh-CN" altLang="en-US" sz="5400" b="1" dirty="0" smtClean="0">
+                <a:solidFill>
+                  <a:srgbClr val="002060"/>
+                </a:solidFill>
+                <a:latin typeface="Microsoft JhengHei" panose="020B0604030504040204" pitchFamily="34" charset="-120"/>
+                <a:ea typeface="Microsoft JhengHei" panose="020B0604030504040204" pitchFamily="34" charset="-120"/>
+              </a:rPr>
+              <a:t>口傳揚</a:t>
             </a:r>
             <a:endParaRPr lang="en-US" altLang="zh-CN" sz="5400" b="1" dirty="0" smtClean="0">
               <a:solidFill>
@@ -4086,19 +4061,9 @@
                 <a:latin typeface="Microsoft JhengHei" panose="020B0604030504040204" pitchFamily="34" charset="-120"/>
                 <a:ea typeface="Microsoft JhengHei" panose="020B0604030504040204" pitchFamily="34" charset="-120"/>
               </a:rPr>
-              <a:t>惟獨耶</a:t>
-            </a:r>
-            <a:r>
-              <a:rPr lang="zh-CN" altLang="en-US" sz="5400" b="1" dirty="0" smtClean="0">
-                <a:solidFill>
-                  <a:srgbClr val="002060"/>
-                </a:solidFill>
-                <a:latin typeface="Microsoft JhengHei" panose="020B0604030504040204" pitchFamily="34" charset="-120"/>
-                <a:ea typeface="Microsoft JhengHei" panose="020B0604030504040204" pitchFamily="34" charset="-120"/>
-              </a:rPr>
-              <a:t>穌  永遠耶穌</a:t>
-            </a:r>
-            <a:endParaRPr lang="en-US" altLang="zh-CN" sz="5400" b="1" dirty="0" smtClean="0">
+              <a:t>惟獨耶穌  永遠耶穌</a:t>
+            </a:r>
+            <a:endParaRPr lang="en-US" altLang="zh-CN" sz="5400" b="1" dirty="0">
               <a:solidFill>
                 <a:srgbClr val="002060"/>
               </a:solidFill>
@@ -4118,19 +4083,9 @@
                 <a:latin typeface="Microsoft JhengHei" panose="020B0604030504040204" pitchFamily="34" charset="-120"/>
                 <a:ea typeface="Microsoft JhengHei" panose="020B0604030504040204" pitchFamily="34" charset="-120"/>
               </a:rPr>
-              <a:t>我</a:t>
-            </a:r>
-            <a:r>
-              <a:rPr lang="zh-CN" altLang="en-US" sz="5400" b="1" dirty="0" smtClean="0">
-                <a:solidFill>
-                  <a:srgbClr val="002060"/>
-                </a:solidFill>
-                <a:latin typeface="Microsoft JhengHei" panose="020B0604030504040204" pitchFamily="34" charset="-120"/>
-                <a:ea typeface="Microsoft JhengHei" panose="020B0604030504040204" pitchFamily="34" charset="-120"/>
-              </a:rPr>
-              <a:t>心讚美  我口宣揚</a:t>
-            </a:r>
-            <a:endParaRPr lang="en-US" altLang="zh-CN" sz="5400" b="1" dirty="0" smtClean="0">
+              <a:t>我心讚美  我口傳揚</a:t>
+            </a:r>
+            <a:endParaRPr lang="en-US" altLang="zh-CN" sz="5400" b="1" dirty="0">
               <a:solidFill>
                 <a:srgbClr val="002060"/>
               </a:solidFill>
@@ -4150,19 +4105,9 @@
                 <a:latin typeface="Microsoft JhengHei" panose="020B0604030504040204" pitchFamily="34" charset="-120"/>
                 <a:ea typeface="Microsoft JhengHei" panose="020B0604030504040204" pitchFamily="34" charset="-120"/>
               </a:rPr>
-              <a:t>救</a:t>
-            </a:r>
-            <a:r>
-              <a:rPr lang="zh-CN" altLang="en-US" sz="5400" b="1" dirty="0" smtClean="0">
-                <a:solidFill>
-                  <a:srgbClr val="002060"/>
-                </a:solidFill>
-                <a:latin typeface="Microsoft JhengHei" panose="020B0604030504040204" pitchFamily="34" charset="-120"/>
-                <a:ea typeface="Microsoft JhengHei" panose="020B0604030504040204" pitchFamily="34" charset="-120"/>
-              </a:rPr>
-              <a:t>我醫我使我成聖</a:t>
-            </a:r>
-            <a:endParaRPr lang="en-US" altLang="zh-CN" sz="5400" b="1" dirty="0" smtClean="0">
+              <a:t>救我醫我使我成聖</a:t>
+            </a:r>
+            <a:endParaRPr lang="en-US" altLang="zh-CN" sz="5400" b="1" dirty="0">
               <a:solidFill>
                 <a:srgbClr val="002060"/>
               </a:solidFill>
@@ -4182,17 +4127,7 @@
                 <a:latin typeface="Microsoft JhengHei" panose="020B0604030504040204" pitchFamily="34" charset="-120"/>
                 <a:ea typeface="Microsoft JhengHei" panose="020B0604030504040204" pitchFamily="34" charset="-120"/>
               </a:rPr>
-              <a:t>榮</a:t>
-            </a:r>
-            <a:r>
-              <a:rPr lang="zh-CN" altLang="en-US" sz="5400" b="1" dirty="0" smtClean="0">
-                <a:solidFill>
-                  <a:srgbClr val="002060"/>
-                </a:solidFill>
-                <a:latin typeface="Microsoft JhengHei" panose="020B0604030504040204" pitchFamily="34" charset="-120"/>
-                <a:ea typeface="Microsoft JhengHei" panose="020B0604030504040204" pitchFamily="34" charset="-120"/>
-              </a:rPr>
-              <a:t>耀救主再來之王</a:t>
+              <a:t>榮耀救主再來之王</a:t>
             </a:r>
             <a:endParaRPr lang="vi-VN" sz="5400" b="1" dirty="0">
               <a:solidFill>
@@ -4527,19 +4462,9 @@
                 <a:latin typeface="Microsoft JhengHei" panose="020B0604030504040204" pitchFamily="34" charset="-120"/>
                 <a:ea typeface="Microsoft JhengHei" panose="020B0604030504040204" pitchFamily="34" charset="-120"/>
               </a:rPr>
-              <a:t>惟獨耶</a:t>
-            </a:r>
-            <a:r>
-              <a:rPr lang="zh-CN" altLang="en-US" sz="5400" b="1" dirty="0" smtClean="0">
-                <a:solidFill>
-                  <a:srgbClr val="002060"/>
-                </a:solidFill>
-                <a:latin typeface="Microsoft JhengHei" panose="020B0604030504040204" pitchFamily="34" charset="-120"/>
-                <a:ea typeface="Microsoft JhengHei" panose="020B0604030504040204" pitchFamily="34" charset="-120"/>
-              </a:rPr>
-              <a:t>穌  永遠耶穌</a:t>
-            </a:r>
-            <a:endParaRPr lang="en-US" altLang="zh-CN" sz="5400" b="1" dirty="0" smtClean="0">
+              <a:t>惟獨耶穌  永遠耶穌</a:t>
+            </a:r>
+            <a:endParaRPr lang="en-US" altLang="zh-CN" sz="5400" b="1" dirty="0">
               <a:solidFill>
                 <a:srgbClr val="002060"/>
               </a:solidFill>
@@ -4559,19 +4484,9 @@
                 <a:latin typeface="Microsoft JhengHei" panose="020B0604030504040204" pitchFamily="34" charset="-120"/>
                 <a:ea typeface="Microsoft JhengHei" panose="020B0604030504040204" pitchFamily="34" charset="-120"/>
               </a:rPr>
-              <a:t>我</a:t>
-            </a:r>
-            <a:r>
-              <a:rPr lang="zh-CN" altLang="en-US" sz="5400" b="1" dirty="0" smtClean="0">
-                <a:solidFill>
-                  <a:srgbClr val="002060"/>
-                </a:solidFill>
-                <a:latin typeface="Microsoft JhengHei" panose="020B0604030504040204" pitchFamily="34" charset="-120"/>
-                <a:ea typeface="Microsoft JhengHei" panose="020B0604030504040204" pitchFamily="34" charset="-120"/>
-              </a:rPr>
-              <a:t>心讚美  我口宣揚</a:t>
-            </a:r>
-            <a:endParaRPr lang="en-US" altLang="zh-CN" sz="5400" b="1" dirty="0" smtClean="0">
+              <a:t>我心讚美  我口傳揚</a:t>
+            </a:r>
+            <a:endParaRPr lang="en-US" altLang="zh-CN" sz="5400" b="1" dirty="0">
               <a:solidFill>
                 <a:srgbClr val="002060"/>
               </a:solidFill>
@@ -4591,19 +4506,9 @@
                 <a:latin typeface="Microsoft JhengHei" panose="020B0604030504040204" pitchFamily="34" charset="-120"/>
                 <a:ea typeface="Microsoft JhengHei" panose="020B0604030504040204" pitchFamily="34" charset="-120"/>
               </a:rPr>
-              <a:t>救</a:t>
-            </a:r>
-            <a:r>
-              <a:rPr lang="zh-CN" altLang="en-US" sz="5400" b="1" dirty="0" smtClean="0">
-                <a:solidFill>
-                  <a:srgbClr val="002060"/>
-                </a:solidFill>
-                <a:latin typeface="Microsoft JhengHei" panose="020B0604030504040204" pitchFamily="34" charset="-120"/>
-                <a:ea typeface="Microsoft JhengHei" panose="020B0604030504040204" pitchFamily="34" charset="-120"/>
-              </a:rPr>
-              <a:t>我醫我使我成聖</a:t>
-            </a:r>
-            <a:endParaRPr lang="en-US" altLang="zh-CN" sz="5400" b="1" dirty="0" smtClean="0">
+              <a:t>救我醫我使我成聖</a:t>
+            </a:r>
+            <a:endParaRPr lang="en-US" altLang="zh-CN" sz="5400" b="1" dirty="0">
               <a:solidFill>
                 <a:srgbClr val="002060"/>
               </a:solidFill>
@@ -4623,17 +4528,7 @@
                 <a:latin typeface="Microsoft JhengHei" panose="020B0604030504040204" pitchFamily="34" charset="-120"/>
                 <a:ea typeface="Microsoft JhengHei" panose="020B0604030504040204" pitchFamily="34" charset="-120"/>
               </a:rPr>
-              <a:t>榮</a:t>
-            </a:r>
-            <a:r>
-              <a:rPr lang="zh-CN" altLang="en-US" sz="5400" b="1" dirty="0" smtClean="0">
-                <a:solidFill>
-                  <a:srgbClr val="002060"/>
-                </a:solidFill>
-                <a:latin typeface="Microsoft JhengHei" panose="020B0604030504040204" pitchFamily="34" charset="-120"/>
-                <a:ea typeface="Microsoft JhengHei" panose="020B0604030504040204" pitchFamily="34" charset="-120"/>
-              </a:rPr>
-              <a:t>耀救主再來之王</a:t>
+              <a:t>榮耀救主再來之王</a:t>
             </a:r>
             <a:endParaRPr lang="vi-VN" sz="5400" b="1" dirty="0">
               <a:solidFill>
@@ -4976,19 +4871,9 @@
                 <a:latin typeface="Microsoft JhengHei" panose="020B0604030504040204" pitchFamily="34" charset="-120"/>
                 <a:ea typeface="Microsoft JhengHei" panose="020B0604030504040204" pitchFamily="34" charset="-120"/>
               </a:rPr>
-              <a:t>惟獨耶</a:t>
-            </a:r>
-            <a:r>
-              <a:rPr lang="zh-CN" altLang="en-US" sz="5400" b="1" dirty="0" smtClean="0">
-                <a:solidFill>
-                  <a:srgbClr val="002060"/>
-                </a:solidFill>
-                <a:latin typeface="Microsoft JhengHei" panose="020B0604030504040204" pitchFamily="34" charset="-120"/>
-                <a:ea typeface="Microsoft JhengHei" panose="020B0604030504040204" pitchFamily="34" charset="-120"/>
-              </a:rPr>
-              <a:t>穌  永遠耶穌</a:t>
-            </a:r>
-            <a:endParaRPr lang="en-US" altLang="zh-CN" sz="5400" b="1" dirty="0" smtClean="0">
+              <a:t>惟獨耶穌  永遠耶穌</a:t>
+            </a:r>
+            <a:endParaRPr lang="en-US" altLang="zh-CN" sz="5400" b="1" dirty="0">
               <a:solidFill>
                 <a:srgbClr val="002060"/>
               </a:solidFill>
@@ -5008,19 +4893,9 @@
                 <a:latin typeface="Microsoft JhengHei" panose="020B0604030504040204" pitchFamily="34" charset="-120"/>
                 <a:ea typeface="Microsoft JhengHei" panose="020B0604030504040204" pitchFamily="34" charset="-120"/>
               </a:rPr>
-              <a:t>我</a:t>
-            </a:r>
-            <a:r>
-              <a:rPr lang="zh-CN" altLang="en-US" sz="5400" b="1" dirty="0" smtClean="0">
-                <a:solidFill>
-                  <a:srgbClr val="002060"/>
-                </a:solidFill>
-                <a:latin typeface="Microsoft JhengHei" panose="020B0604030504040204" pitchFamily="34" charset="-120"/>
-                <a:ea typeface="Microsoft JhengHei" panose="020B0604030504040204" pitchFamily="34" charset="-120"/>
-              </a:rPr>
-              <a:t>心讚美  我口宣揚</a:t>
-            </a:r>
-            <a:endParaRPr lang="en-US" altLang="zh-CN" sz="5400" b="1" dirty="0" smtClean="0">
+              <a:t>我心讚美  我口傳揚</a:t>
+            </a:r>
+            <a:endParaRPr lang="en-US" altLang="zh-CN" sz="5400" b="1" dirty="0">
               <a:solidFill>
                 <a:srgbClr val="002060"/>
               </a:solidFill>
@@ -5040,19 +4915,9 @@
                 <a:latin typeface="Microsoft JhengHei" panose="020B0604030504040204" pitchFamily="34" charset="-120"/>
                 <a:ea typeface="Microsoft JhengHei" panose="020B0604030504040204" pitchFamily="34" charset="-120"/>
               </a:rPr>
-              <a:t>救</a:t>
-            </a:r>
-            <a:r>
-              <a:rPr lang="zh-CN" altLang="en-US" sz="5400" b="1" dirty="0" smtClean="0">
-                <a:solidFill>
-                  <a:srgbClr val="002060"/>
-                </a:solidFill>
-                <a:latin typeface="Microsoft JhengHei" panose="020B0604030504040204" pitchFamily="34" charset="-120"/>
-                <a:ea typeface="Microsoft JhengHei" panose="020B0604030504040204" pitchFamily="34" charset="-120"/>
-              </a:rPr>
-              <a:t>我醫我使我成聖</a:t>
-            </a:r>
-            <a:endParaRPr lang="en-US" altLang="zh-CN" sz="5400" b="1" dirty="0" smtClean="0">
+              <a:t>救我醫我使我成聖</a:t>
+            </a:r>
+            <a:endParaRPr lang="en-US" altLang="zh-CN" sz="5400" b="1" dirty="0">
               <a:solidFill>
                 <a:srgbClr val="002060"/>
               </a:solidFill>
@@ -5072,17 +4937,7 @@
                 <a:latin typeface="Microsoft JhengHei" panose="020B0604030504040204" pitchFamily="34" charset="-120"/>
                 <a:ea typeface="Microsoft JhengHei" panose="020B0604030504040204" pitchFamily="34" charset="-120"/>
               </a:rPr>
-              <a:t>榮</a:t>
-            </a:r>
-            <a:r>
-              <a:rPr lang="zh-CN" altLang="en-US" sz="5400" b="1" dirty="0" smtClean="0">
-                <a:solidFill>
-                  <a:srgbClr val="002060"/>
-                </a:solidFill>
-                <a:latin typeface="Microsoft JhengHei" panose="020B0604030504040204" pitchFamily="34" charset="-120"/>
-                <a:ea typeface="Microsoft JhengHei" panose="020B0604030504040204" pitchFamily="34" charset="-120"/>
-              </a:rPr>
-              <a:t>耀救主再來之王</a:t>
+              <a:t>榮耀救主再來之王</a:t>
             </a:r>
             <a:endParaRPr lang="vi-VN" sz="5400" b="1" dirty="0">
               <a:solidFill>

--- a/宣道詩/(宣道詩25)惟獨耶穌.pptx
+++ b/宣道詩/(宣道詩25)惟獨耶穌.pptx
@@ -5,16 +5,27 @@
     <p:sldMasterId id="2147483660" r:id="rId1"/>
   </p:sldMasterIdLst>
   <p:sldIdLst>
-    <p:sldId id="258" r:id="rId2"/>
-    <p:sldId id="259" r:id="rId3"/>
-    <p:sldId id="260" r:id="rId4"/>
-    <p:sldId id="261" r:id="rId5"/>
-    <p:sldId id="262" r:id="rId6"/>
-    <p:sldId id="263" r:id="rId7"/>
-    <p:sldId id="264" r:id="rId8"/>
-    <p:sldId id="265" r:id="rId9"/>
-    <p:sldId id="266" r:id="rId10"/>
-    <p:sldId id="267" r:id="rId11"/>
+    <p:sldId id="268" r:id="rId2"/>
+    <p:sldId id="269" r:id="rId3"/>
+    <p:sldId id="270" r:id="rId4"/>
+    <p:sldId id="271" r:id="rId5"/>
+    <p:sldId id="272" r:id="rId6"/>
+    <p:sldId id="273" r:id="rId7"/>
+    <p:sldId id="274" r:id="rId8"/>
+    <p:sldId id="275" r:id="rId9"/>
+    <p:sldId id="276" r:id="rId10"/>
+    <p:sldId id="277" r:id="rId11"/>
+    <p:sldId id="278" r:id="rId12"/>
+    <p:sldId id="279" r:id="rId13"/>
+    <p:sldId id="280" r:id="rId14"/>
+    <p:sldId id="281" r:id="rId15"/>
+    <p:sldId id="282" r:id="rId16"/>
+    <p:sldId id="283" r:id="rId17"/>
+    <p:sldId id="284" r:id="rId18"/>
+    <p:sldId id="285" r:id="rId19"/>
+    <p:sldId id="286" r:id="rId20"/>
+    <p:sldId id="287" r:id="rId21"/>
+    <p:sldId id="288" r:id="rId22"/>
   </p:sldIdLst>
   <p:sldSz cx="12192000" cy="6858000"/>
   <p:notesSz cx="6858000" cy="9144000"/>
@@ -302,7 +313,7 @@
           <a:p>
             <a:fld id="{24D5CDFD-BD6B-479F-B265-2C7EDA856D3D}" type="datetimeFigureOut">
               <a:rPr lang="vi-VN" smtClean="0"/>
-              <a:t>12/10/2020</a:t>
+              <a:t>08/07/2021</a:t>
             </a:fld>
             <a:endParaRPr lang="vi-VN"/>
           </a:p>
@@ -472,7 +483,7 @@
           <a:p>
             <a:fld id="{24D5CDFD-BD6B-479F-B265-2C7EDA856D3D}" type="datetimeFigureOut">
               <a:rPr lang="vi-VN" smtClean="0"/>
-              <a:t>12/10/2020</a:t>
+              <a:t>08/07/2021</a:t>
             </a:fld>
             <a:endParaRPr lang="vi-VN"/>
           </a:p>
@@ -652,7 +663,7 @@
           <a:p>
             <a:fld id="{24D5CDFD-BD6B-479F-B265-2C7EDA856D3D}" type="datetimeFigureOut">
               <a:rPr lang="vi-VN" smtClean="0"/>
-              <a:t>12/10/2020</a:t>
+              <a:t>08/07/2021</a:t>
             </a:fld>
             <a:endParaRPr lang="vi-VN"/>
           </a:p>
@@ -822,7 +833,7 @@
           <a:p>
             <a:fld id="{24D5CDFD-BD6B-479F-B265-2C7EDA856D3D}" type="datetimeFigureOut">
               <a:rPr lang="vi-VN" smtClean="0"/>
-              <a:t>12/10/2020</a:t>
+              <a:t>08/07/2021</a:t>
             </a:fld>
             <a:endParaRPr lang="vi-VN"/>
           </a:p>
@@ -1068,7 +1079,7 @@
           <a:p>
             <a:fld id="{24D5CDFD-BD6B-479F-B265-2C7EDA856D3D}" type="datetimeFigureOut">
               <a:rPr lang="vi-VN" smtClean="0"/>
-              <a:t>12/10/2020</a:t>
+              <a:t>08/07/2021</a:t>
             </a:fld>
             <a:endParaRPr lang="vi-VN"/>
           </a:p>
@@ -1356,7 +1367,7 @@
           <a:p>
             <a:fld id="{24D5CDFD-BD6B-479F-B265-2C7EDA856D3D}" type="datetimeFigureOut">
               <a:rPr lang="vi-VN" smtClean="0"/>
-              <a:t>12/10/2020</a:t>
+              <a:t>08/07/2021</a:t>
             </a:fld>
             <a:endParaRPr lang="vi-VN"/>
           </a:p>
@@ -1778,7 +1789,7 @@
           <a:p>
             <a:fld id="{24D5CDFD-BD6B-479F-B265-2C7EDA856D3D}" type="datetimeFigureOut">
               <a:rPr lang="vi-VN" smtClean="0"/>
-              <a:t>12/10/2020</a:t>
+              <a:t>08/07/2021</a:t>
             </a:fld>
             <a:endParaRPr lang="vi-VN"/>
           </a:p>
@@ -1896,7 +1907,7 @@
           <a:p>
             <a:fld id="{24D5CDFD-BD6B-479F-B265-2C7EDA856D3D}" type="datetimeFigureOut">
               <a:rPr lang="vi-VN" smtClean="0"/>
-              <a:t>12/10/2020</a:t>
+              <a:t>08/07/2021</a:t>
             </a:fld>
             <a:endParaRPr lang="vi-VN"/>
           </a:p>
@@ -1991,7 +2002,7 @@
           <a:p>
             <a:fld id="{24D5CDFD-BD6B-479F-B265-2C7EDA856D3D}" type="datetimeFigureOut">
               <a:rPr lang="vi-VN" smtClean="0"/>
-              <a:t>12/10/2020</a:t>
+              <a:t>08/07/2021</a:t>
             </a:fld>
             <a:endParaRPr lang="vi-VN"/>
           </a:p>
@@ -2268,7 +2279,7 @@
           <a:p>
             <a:fld id="{24D5CDFD-BD6B-479F-B265-2C7EDA856D3D}" type="datetimeFigureOut">
               <a:rPr lang="vi-VN" smtClean="0"/>
-              <a:t>12/10/2020</a:t>
+              <a:t>08/07/2021</a:t>
             </a:fld>
             <a:endParaRPr lang="vi-VN"/>
           </a:p>
@@ -2525,7 +2536,7 @@
           <a:p>
             <a:fld id="{24D5CDFD-BD6B-479F-B265-2C7EDA856D3D}" type="datetimeFigureOut">
               <a:rPr lang="vi-VN" smtClean="0"/>
-              <a:t>12/10/2020</a:t>
+              <a:t>08/07/2021</a:t>
             </a:fld>
             <a:endParaRPr lang="vi-VN"/>
           </a:p>
@@ -2743,7 +2754,7 @@
           <a:p>
             <a:fld id="{24D5CDFD-BD6B-479F-B265-2C7EDA856D3D}" type="datetimeFigureOut">
               <a:rPr lang="vi-VN" smtClean="0"/>
-              <a:t>12/10/2020</a:t>
+              <a:t>08/07/2021</a:t>
             </a:fld>
             <a:endParaRPr lang="vi-VN"/>
           </a:p>
@@ -3120,199 +3131,140 @@
       </p:grpSpPr>
       <p:sp>
         <p:nvSpPr>
-          <p:cNvPr id="2" name="Title 1"/>
+          <p:cNvPr id="4" name="標題 3"/>
           <p:cNvSpPr>
             <a:spLocks noGrp="1"/>
           </p:cNvSpPr>
           <p:nvPr>
             <p:ph type="title"/>
           </p:nvPr>
-        </p:nvSpPr>
-        <p:spPr/>
-        <p:txBody>
-          <a:bodyPr>
-            <a:normAutofit/>
-          </a:bodyPr>
-          <a:lstStyle/>
-          <a:p>
-            <a:r>
-              <a:rPr lang="zh-CN" altLang="en-US" sz="4800" b="1" dirty="0">
-                <a:solidFill>
-                  <a:srgbClr val="002060"/>
-                </a:solidFill>
-                <a:latin typeface="Microsoft JhengHei" panose="020B0604030504040204" pitchFamily="34" charset="-120"/>
-                <a:ea typeface="Microsoft JhengHei" panose="020B0604030504040204" pitchFamily="34" charset="-120"/>
-              </a:rPr>
-              <a:t>惟獨耶穌</a:t>
-            </a:r>
-            <a:endParaRPr lang="vi-VN" sz="4800" b="1" dirty="0">
-              <a:solidFill>
-                <a:srgbClr val="002060"/>
-              </a:solidFill>
-              <a:ea typeface="Microsoft JhengHei" panose="020B0604030504040204" pitchFamily="34" charset="-120"/>
-            </a:endParaRPr>
-          </a:p>
-        </p:txBody>
-      </p:sp>
-      <p:sp>
-        <p:nvSpPr>
-          <p:cNvPr id="3" name="Content Placeholder 2"/>
-          <p:cNvSpPr>
-            <a:spLocks noGrp="1"/>
-          </p:cNvSpPr>
-          <p:nvPr>
-            <p:ph idx="1"/>
-          </p:nvPr>
-        </p:nvSpPr>
-        <p:spPr/>
-        <p:txBody>
-          <a:bodyPr>
-            <a:normAutofit/>
-          </a:bodyPr>
-          <a:lstStyle/>
-          <a:p>
-            <a:pPr marL="0" indent="0" algn="ctr">
-              <a:buNone/>
-            </a:pPr>
-            <a:r>
-              <a:rPr lang="zh-CN" altLang="en-US" sz="5400" b="1" dirty="0" smtClean="0">
-                <a:solidFill>
-                  <a:srgbClr val="002060"/>
-                </a:solidFill>
-                <a:ea typeface="Microsoft JhengHei" panose="020B0604030504040204" pitchFamily="34" charset="-120"/>
-              </a:rPr>
-              <a:t>惟獨耶穌是我信息</a:t>
-            </a:r>
-            <a:endParaRPr lang="en-US" altLang="zh-CN" sz="5400" b="1" dirty="0" smtClean="0">
-              <a:solidFill>
-                <a:srgbClr val="002060"/>
-              </a:solidFill>
-              <a:ea typeface="Microsoft JhengHei" panose="020B0604030504040204" pitchFamily="34" charset="-120"/>
-            </a:endParaRPr>
-          </a:p>
-          <a:p>
-            <a:pPr marL="0" indent="0" algn="ctr">
-              <a:buNone/>
-            </a:pPr>
-            <a:r>
-              <a:rPr lang="zh-CN" altLang="en-US" sz="5400" b="1" dirty="0">
-                <a:solidFill>
-                  <a:srgbClr val="002060"/>
-                </a:solidFill>
-                <a:ea typeface="Microsoft JhengHei" panose="020B0604030504040204" pitchFamily="34" charset="-120"/>
-              </a:rPr>
-              <a:t>我</a:t>
-            </a:r>
-            <a:r>
-              <a:rPr lang="zh-CN" altLang="en-US" sz="5400" b="1" dirty="0" smtClean="0">
-                <a:solidFill>
-                  <a:srgbClr val="002060"/>
-                </a:solidFill>
-                <a:ea typeface="Microsoft JhengHei" panose="020B0604030504040204" pitchFamily="34" charset="-120"/>
-              </a:rPr>
-              <a:t>所講論就是耶穌</a:t>
-            </a:r>
-            <a:endParaRPr lang="en-US" altLang="zh-CN" sz="5400" b="1" dirty="0" smtClean="0">
-              <a:solidFill>
-                <a:srgbClr val="002060"/>
-              </a:solidFill>
-              <a:ea typeface="Microsoft JhengHei" panose="020B0604030504040204" pitchFamily="34" charset="-120"/>
-            </a:endParaRPr>
-          </a:p>
-          <a:p>
-            <a:pPr marL="0" indent="0" algn="ctr">
-              <a:buNone/>
-            </a:pPr>
-            <a:r>
-              <a:rPr lang="zh-CN" altLang="en-US" sz="5400" b="1" dirty="0">
-                <a:solidFill>
-                  <a:srgbClr val="002060"/>
-                </a:solidFill>
-                <a:ea typeface="Microsoft JhengHei" panose="020B0604030504040204" pitchFamily="34" charset="-120"/>
-              </a:rPr>
-              <a:t>耶穌基</a:t>
-            </a:r>
-            <a:r>
-              <a:rPr lang="zh-CN" altLang="en-US" sz="5400" b="1" dirty="0" smtClean="0">
-                <a:solidFill>
-                  <a:srgbClr val="002060"/>
-                </a:solidFill>
-                <a:ea typeface="Microsoft JhengHei" panose="020B0604030504040204" pitchFamily="34" charset="-120"/>
-              </a:rPr>
-              <a:t>督永遠舉起</a:t>
-            </a:r>
-            <a:endParaRPr lang="en-US" altLang="zh-CN" sz="5400" b="1" dirty="0" smtClean="0">
-              <a:solidFill>
-                <a:srgbClr val="002060"/>
-              </a:solidFill>
-              <a:ea typeface="Microsoft JhengHei" panose="020B0604030504040204" pitchFamily="34" charset="-120"/>
-            </a:endParaRPr>
-          </a:p>
-          <a:p>
-            <a:pPr marL="0" indent="0" algn="ctr">
-              <a:buNone/>
-            </a:pPr>
-            <a:r>
-              <a:rPr lang="zh-CN" altLang="en-US" sz="5400" b="1" dirty="0">
-                <a:solidFill>
-                  <a:srgbClr val="002060"/>
-                </a:solidFill>
-                <a:ea typeface="Microsoft JhengHei" panose="020B0604030504040204" pitchFamily="34" charset="-120"/>
-              </a:rPr>
-              <a:t>我</a:t>
-            </a:r>
-            <a:r>
-              <a:rPr lang="zh-CN" altLang="en-US" sz="5400" b="1" dirty="0" smtClean="0">
-                <a:solidFill>
-                  <a:srgbClr val="002060"/>
-                </a:solidFill>
-                <a:ea typeface="Microsoft JhengHei" panose="020B0604030504040204" pitchFamily="34" charset="-120"/>
-              </a:rPr>
-              <a:t>所仰望就是耶穌</a:t>
-            </a:r>
-            <a:endParaRPr lang="vi-VN" sz="5400" b="1" dirty="0">
-              <a:solidFill>
-                <a:srgbClr val="002060"/>
-              </a:solidFill>
-              <a:ea typeface="Microsoft JhengHei" panose="020B0604030504040204" pitchFamily="34" charset="-120"/>
-            </a:endParaRPr>
-          </a:p>
-        </p:txBody>
-      </p:sp>
-      <p:sp>
-        <p:nvSpPr>
-          <p:cNvPr id="4" name="TextBox 3"/>
-          <p:cNvSpPr txBox="1"/>
-          <p:nvPr/>
         </p:nvSpPr>
         <p:spPr>
           <a:xfrm>
-            <a:off x="948690" y="1714501"/>
-            <a:ext cx="868680" cy="923330"/>
+            <a:off x="0" y="2660915"/>
+            <a:ext cx="12192000" cy="1143000"/>
           </a:xfrm>
-          <a:prstGeom prst="rect">
-            <a:avLst/>
-          </a:prstGeom>
-          <a:noFill/>
         </p:spPr>
         <p:txBody>
-          <a:bodyPr wrap="square" rtlCol="0">
-            <a:spAutoFit/>
+          <a:bodyPr>
+            <a:noAutofit/>
           </a:bodyPr>
           <a:lstStyle/>
           <a:p>
             <a:r>
-              <a:rPr lang="en-US" sz="5400" b="1" dirty="0" smtClean="0">
-                <a:solidFill>
-                  <a:srgbClr val="002060"/>
-                </a:solidFill>
-              </a:rPr>
-              <a:t>1.</a:t>
-            </a:r>
-            <a:endParaRPr lang="vi-VN" sz="5400" b="1" dirty="0">
+              <a:rPr lang="zh-CN" altLang="en-US" sz="5333" b="1" u="sng" dirty="0">
+                <a:solidFill>
+                  <a:srgbClr val="660033"/>
+                </a:solidFill>
+                <a:effectLst>
+                  <a:outerShdw blurRad="38100" dist="38100" dir="2700000" algn="tl">
+                    <a:srgbClr val="000000">
+                      <a:alpha val="43137"/>
+                    </a:srgbClr>
+                  </a:outerShdw>
+                </a:effectLst>
+                <a:latin typeface="微軟正黑體" pitchFamily="34" charset="-120"/>
+                <a:ea typeface="微軟正黑體" pitchFamily="34" charset="-120"/>
+              </a:rPr>
+              <a:t>宣道詩 </a:t>
+            </a:r>
+            <a:r>
+              <a:rPr lang="en-US" altLang="zh-CN" sz="5333" b="1" u="sng" dirty="0">
+                <a:solidFill>
+                  <a:srgbClr val="660033"/>
+                </a:solidFill>
+                <a:effectLst>
+                  <a:outerShdw blurRad="38100" dist="38100" dir="2700000" algn="tl">
+                    <a:srgbClr val="000000">
+                      <a:alpha val="43137"/>
+                    </a:srgbClr>
+                  </a:outerShdw>
+                </a:effectLst>
+                <a:latin typeface="微軟正黑體" pitchFamily="34" charset="-120"/>
+                <a:ea typeface="微軟正黑體" pitchFamily="34" charset="-120"/>
+              </a:rPr>
+              <a:t>25</a:t>
+            </a:r>
+            <a:r>
+              <a:rPr lang="en-US" altLang="zh-CN" sz="7200" b="1" i="1" dirty="0">
+                <a:solidFill>
+                  <a:srgbClr val="660033"/>
+                </a:solidFill>
+                <a:effectLst>
+                  <a:outerShdw blurRad="38100" dist="38100" dir="2700000" algn="tl">
+                    <a:srgbClr val="000000">
+                      <a:alpha val="43137"/>
+                    </a:srgbClr>
+                  </a:outerShdw>
+                </a:effectLst>
+                <a:latin typeface="微軟正黑體" pitchFamily="34" charset="-120"/>
+                <a:ea typeface="微軟正黑體" pitchFamily="34" charset="-120"/>
+              </a:rPr>
+              <a:t/>
+            </a:r>
+            <a:br>
+              <a:rPr lang="en-US" altLang="zh-CN" sz="7200" b="1" i="1" dirty="0">
+                <a:solidFill>
+                  <a:srgbClr val="660033"/>
+                </a:solidFill>
+                <a:effectLst>
+                  <a:outerShdw blurRad="38100" dist="38100" dir="2700000" algn="tl">
+                    <a:srgbClr val="000000">
+                      <a:alpha val="43137"/>
+                    </a:srgbClr>
+                  </a:outerShdw>
+                </a:effectLst>
+                <a:latin typeface="微軟正黑體" pitchFamily="34" charset="-120"/>
+                <a:ea typeface="微軟正黑體" pitchFamily="34" charset="-120"/>
+              </a:rPr>
+            </a:br>
+            <a:r>
+              <a:rPr lang="zh-CN" altLang="en-US" sz="8000" b="1" dirty="0">
+                <a:solidFill>
+                  <a:srgbClr val="000066"/>
+                </a:solidFill>
+                <a:effectLst>
+                  <a:outerShdw blurRad="38100" dist="38100" dir="2700000" algn="tl">
+                    <a:srgbClr val="000000">
+                      <a:alpha val="43137"/>
+                    </a:srgbClr>
+                  </a:outerShdw>
+                </a:effectLst>
+                <a:latin typeface="微軟正黑體" pitchFamily="34" charset="-120"/>
+                <a:ea typeface="微軟正黑體" pitchFamily="34" charset="-120"/>
+              </a:rPr>
+              <a:t>惟</a:t>
+            </a:r>
+            <a:r>
+              <a:rPr lang="zh-CN" altLang="en-US" sz="8000" b="1" dirty="0">
+                <a:solidFill>
+                  <a:srgbClr val="000066"/>
+                </a:solidFill>
+                <a:effectLst>
+                  <a:outerShdw blurRad="38100" dist="38100" dir="2700000" algn="tl">
+                    <a:srgbClr val="000000">
+                      <a:alpha val="43137"/>
+                    </a:srgbClr>
+                  </a:outerShdw>
+                </a:effectLst>
+                <a:latin typeface="微軟正黑體" pitchFamily="34" charset="-120"/>
+                <a:ea typeface="微軟正黑體" pitchFamily="34" charset="-120"/>
+              </a:rPr>
+              <a:t>獨耶穌</a:t>
+            </a:r>
+            <a:endParaRPr lang="zh-TW" altLang="en-US" sz="8000" b="1" dirty="0">
               <a:solidFill>
-                <a:srgbClr val="002060"/>
+                <a:srgbClr val="000066"/>
               </a:solidFill>
+              <a:effectLst>
+                <a:outerShdw blurRad="38100" dist="38100" dir="2700000" algn="tl">
+                  <a:srgbClr val="000000">
+                    <a:alpha val="43137"/>
+                  </a:srgbClr>
+                </a:outerShdw>
+              </a:effectLst>
+              <a:latin typeface="微軟正黑體" pitchFamily="34" charset="-120"/>
+              <a:ea typeface="微軟正黑體" pitchFamily="34" charset="-120"/>
             </a:endParaRPr>
           </a:p>
         </p:txBody>
@@ -3320,13 +3272,20 @@
     </p:spTree>
     <p:extLst>
       <p:ext uri="{BB962C8B-B14F-4D97-AF65-F5344CB8AC3E}">
-        <p14:creationId xmlns:p14="http://schemas.microsoft.com/office/powerpoint/2010/main" val="792636772"/>
+        <p14:creationId xmlns:p14="http://schemas.microsoft.com/office/powerpoint/2010/main" val="155912678"/>
       </p:ext>
     </p:extLst>
   </p:cSld>
   <p:clrMapOvr>
     <a:masterClrMapping/>
   </p:clrMapOvr>
+  <p:timing>
+    <p:tnLst>
+      <p:par>
+        <p:cTn id="1" dur="indefinite" restart="never" nodeType="tmRoot"/>
+      </p:par>
+    </p:tnLst>
+  </p:timing>
 </p:sld>
 </file>
 
@@ -3349,165 +3308,1350 @@
       </p:grpSpPr>
       <p:sp>
         <p:nvSpPr>
-          <p:cNvPr id="2" name="Title 1"/>
-          <p:cNvSpPr>
-            <a:spLocks noGrp="1"/>
-          </p:cNvSpPr>
-          <p:nvPr>
-            <p:ph type="title"/>
-          </p:nvPr>
-        </p:nvSpPr>
-        <p:spPr/>
-        <p:txBody>
-          <a:bodyPr>
+          <p:cNvPr id="5" name="內容版面配置區 4"/>
+          <p:cNvSpPr>
+            <a:spLocks noGrp="1"/>
+          </p:cNvSpPr>
+          <p:nvPr>
+            <p:ph idx="1"/>
+          </p:nvPr>
+        </p:nvSpPr>
+        <p:spPr>
+          <a:xfrm>
+            <a:off x="0" y="2084853"/>
+            <a:ext cx="12192000" cy="2404863"/>
+          </a:xfrm>
+        </p:spPr>
+        <p:txBody>
+          <a:bodyPr anchor="ctr">
             <a:normAutofit/>
           </a:bodyPr>
           <a:lstStyle/>
           <a:p>
-            <a:r>
-              <a:rPr lang="zh-CN" altLang="en-US" sz="4800" b="1" dirty="0">
-                <a:solidFill>
-                  <a:srgbClr val="002060"/>
-                </a:solidFill>
-                <a:latin typeface="Microsoft JhengHei" panose="020B0604030504040204" pitchFamily="34" charset="-120"/>
+            <a:pPr marL="0" indent="0" algn="ctr">
+              <a:buNone/>
+            </a:pPr>
+            <a:r>
+              <a:rPr lang="zh-CN" altLang="en-US" sz="6400" b="1" dirty="0">
+                <a:solidFill>
+                  <a:srgbClr val="000066"/>
+                </a:solidFill>
                 <a:ea typeface="Microsoft JhengHei" panose="020B0604030504040204" pitchFamily="34" charset="-120"/>
               </a:rPr>
-              <a:t>惟</a:t>
-            </a:r>
-            <a:r>
-              <a:rPr lang="zh-CN" altLang="en-US" sz="4800" b="1" dirty="0" smtClean="0">
-                <a:solidFill>
-                  <a:srgbClr val="002060"/>
-                </a:solidFill>
-                <a:latin typeface="Microsoft JhengHei" panose="020B0604030504040204" pitchFamily="34" charset="-120"/>
-                <a:ea typeface="Microsoft JhengHei" panose="020B0604030504040204" pitchFamily="34" charset="-120"/>
-              </a:rPr>
-              <a:t>獨耶穌</a:t>
-            </a:r>
-            <a:endParaRPr lang="vi-VN" sz="4800" b="1" dirty="0">
+              <a:t>惟獨耶穌使我成聖</a:t>
+            </a:r>
+            <a:endParaRPr lang="en-US" altLang="zh-CN" sz="6400" b="1" dirty="0">
               <a:solidFill>
-                <a:srgbClr val="002060"/>
+                <a:srgbClr val="000066"/>
               </a:solidFill>
               <a:ea typeface="Microsoft JhengHei" panose="020B0604030504040204" pitchFamily="34" charset="-120"/>
             </a:endParaRPr>
           </a:p>
-        </p:txBody>
-      </p:sp>
-      <p:sp>
-        <p:nvSpPr>
-          <p:cNvPr id="3" name="Content Placeholder 2"/>
-          <p:cNvSpPr>
-            <a:spLocks noGrp="1"/>
-          </p:cNvSpPr>
-          <p:nvPr>
-            <p:ph idx="1"/>
-          </p:nvPr>
-        </p:nvSpPr>
-        <p:spPr/>
-        <p:txBody>
-          <a:bodyPr>
-            <a:normAutofit/>
-          </a:bodyPr>
-          <a:lstStyle/>
           <a:p>
             <a:pPr marL="0" indent="0" algn="ctr">
               <a:buNone/>
             </a:pPr>
             <a:r>
-              <a:rPr lang="zh-CN" altLang="en-US" sz="5400" b="1" dirty="0">
-                <a:solidFill>
-                  <a:srgbClr val="002060"/>
-                </a:solidFill>
-                <a:latin typeface="Microsoft JhengHei" panose="020B0604030504040204" pitchFamily="34" charset="-120"/>
+              <a:rPr lang="zh-CN" altLang="en-US" sz="6400" b="1" dirty="0">
+                <a:solidFill>
+                  <a:srgbClr val="000066"/>
+                </a:solidFill>
                 <a:ea typeface="Microsoft JhengHei" panose="020B0604030504040204" pitchFamily="34" charset="-120"/>
               </a:rPr>
-              <a:t>惟獨耶穌  永遠耶穌</a:t>
-            </a:r>
-            <a:endParaRPr lang="en-US" altLang="zh-CN" sz="5400" b="1" dirty="0">
+              <a:t>除我舊人諸罪洗清</a:t>
+            </a:r>
+            <a:endParaRPr lang="en-US" altLang="zh-CN" sz="6400" b="1" dirty="0">
               <a:solidFill>
-                <a:srgbClr val="002060"/>
-              </a:solidFill>
-              <a:latin typeface="Microsoft JhengHei" panose="020B0604030504040204" pitchFamily="34" charset="-120"/>
-              <a:ea typeface="Microsoft JhengHei" panose="020B0604030504040204" pitchFamily="34" charset="-120"/>
-            </a:endParaRPr>
-          </a:p>
-          <a:p>
-            <a:pPr marL="0" indent="0" algn="ctr">
-              <a:buNone/>
-            </a:pPr>
-            <a:r>
-              <a:rPr lang="zh-CN" altLang="en-US" sz="5400" b="1" dirty="0">
-                <a:solidFill>
-                  <a:srgbClr val="002060"/>
-                </a:solidFill>
-                <a:latin typeface="Microsoft JhengHei" panose="020B0604030504040204" pitchFamily="34" charset="-120"/>
-                <a:ea typeface="Microsoft JhengHei" panose="020B0604030504040204" pitchFamily="34" charset="-120"/>
-              </a:rPr>
-              <a:t>我心讚美  我口傳揚</a:t>
-            </a:r>
-            <a:endParaRPr lang="en-US" altLang="zh-CN" sz="5400" b="1" dirty="0">
-              <a:solidFill>
-                <a:srgbClr val="002060"/>
-              </a:solidFill>
-              <a:latin typeface="Microsoft JhengHei" panose="020B0604030504040204" pitchFamily="34" charset="-120"/>
-              <a:ea typeface="Microsoft JhengHei" panose="020B0604030504040204" pitchFamily="34" charset="-120"/>
-            </a:endParaRPr>
-          </a:p>
-          <a:p>
-            <a:pPr marL="0" indent="0" algn="ctr">
-              <a:buNone/>
-            </a:pPr>
-            <a:r>
-              <a:rPr lang="zh-CN" altLang="en-US" sz="5400" b="1" dirty="0">
-                <a:solidFill>
-                  <a:srgbClr val="002060"/>
-                </a:solidFill>
-                <a:latin typeface="Microsoft JhengHei" panose="020B0604030504040204" pitchFamily="34" charset="-120"/>
-                <a:ea typeface="Microsoft JhengHei" panose="020B0604030504040204" pitchFamily="34" charset="-120"/>
-              </a:rPr>
-              <a:t>救我醫我使我成聖</a:t>
-            </a:r>
-            <a:endParaRPr lang="en-US" altLang="zh-CN" sz="5400" b="1" dirty="0">
-              <a:solidFill>
-                <a:srgbClr val="002060"/>
-              </a:solidFill>
-              <a:latin typeface="Microsoft JhengHei" panose="020B0604030504040204" pitchFamily="34" charset="-120"/>
-              <a:ea typeface="Microsoft JhengHei" panose="020B0604030504040204" pitchFamily="34" charset="-120"/>
-            </a:endParaRPr>
-          </a:p>
-          <a:p>
-            <a:pPr marL="0" indent="0" algn="ctr">
-              <a:buNone/>
-            </a:pPr>
-            <a:r>
-              <a:rPr lang="zh-CN" altLang="en-US" sz="5400" b="1" dirty="0">
-                <a:solidFill>
-                  <a:srgbClr val="002060"/>
-                </a:solidFill>
-                <a:latin typeface="Microsoft JhengHei" panose="020B0604030504040204" pitchFamily="34" charset="-120"/>
-                <a:ea typeface="Microsoft JhengHei" panose="020B0604030504040204" pitchFamily="34" charset="-120"/>
-              </a:rPr>
-              <a:t>榮耀救主再來之王</a:t>
-            </a:r>
-            <a:endParaRPr lang="vi-VN" sz="5400" b="1" dirty="0">
-              <a:solidFill>
-                <a:srgbClr val="002060"/>
+                <a:srgbClr val="000066"/>
               </a:solidFill>
               <a:ea typeface="Microsoft JhengHei" panose="020B0604030504040204" pitchFamily="34" charset="-120"/>
             </a:endParaRPr>
           </a:p>
         </p:txBody>
       </p:sp>
+      <p:sp>
+        <p:nvSpPr>
+          <p:cNvPr id="3" name="TextBox 2"/>
+          <p:cNvSpPr txBox="1"/>
+          <p:nvPr/>
+        </p:nvSpPr>
+        <p:spPr>
+          <a:xfrm>
+            <a:off x="0" y="5157194"/>
+            <a:ext cx="12192000" cy="830997"/>
+          </a:xfrm>
+          <a:prstGeom prst="rect">
+            <a:avLst/>
+          </a:prstGeom>
+          <a:noFill/>
+        </p:spPr>
+        <p:txBody>
+          <a:bodyPr wrap="square" rtlCol="0">
+            <a:spAutoFit/>
+          </a:bodyPr>
+          <a:lstStyle/>
+          <a:p>
+            <a:pPr algn="ctr"/>
+            <a:r>
+              <a:rPr lang="en-US" sz="4800" b="1" dirty="0">
+                <a:solidFill>
+                  <a:srgbClr val="000066"/>
+                </a:solidFill>
+                <a:effectLst/>
+              </a:rPr>
+              <a:t>( </a:t>
+            </a:r>
+            <a:r>
+              <a:rPr lang="en-US" sz="4800" b="1" dirty="0">
+                <a:solidFill>
+                  <a:srgbClr val="000066"/>
+                </a:solidFill>
+                <a:effectLst/>
+              </a:rPr>
+              <a:t>3 </a:t>
+            </a:r>
+            <a:r>
+              <a:rPr lang="en-US" sz="4800" b="1" dirty="0">
+                <a:solidFill>
+                  <a:srgbClr val="000066"/>
+                </a:solidFill>
+                <a:effectLst/>
+              </a:rPr>
+              <a:t>)</a:t>
+            </a:r>
+            <a:endParaRPr lang="vi-VN" sz="4800" b="1" dirty="0">
+              <a:solidFill>
+                <a:srgbClr val="000066"/>
+              </a:solidFill>
+              <a:effectLst/>
+            </a:endParaRPr>
+          </a:p>
+        </p:txBody>
+      </p:sp>
     </p:spTree>
     <p:extLst>
       <p:ext uri="{BB962C8B-B14F-4D97-AF65-F5344CB8AC3E}">
-        <p14:creationId xmlns:p14="http://schemas.microsoft.com/office/powerpoint/2010/main" val="4055828142"/>
+        <p14:creationId xmlns:p14="http://schemas.microsoft.com/office/powerpoint/2010/main" val="2768813554"/>
       </p:ext>
     </p:extLst>
   </p:cSld>
   <p:clrMapOvr>
     <a:masterClrMapping/>
   </p:clrMapOvr>
+  <p:timing>
+    <p:tnLst>
+      <p:par>
+        <p:cTn id="1" dur="indefinite" restart="never" nodeType="tmRoot"/>
+      </p:par>
+    </p:tnLst>
+  </p:timing>
+</p:sld>
+</file>
+
+<file path=ppt/slides/slide11.xml><?xml version="1.0" encoding="utf-8"?>
+<p:sld xmlns:a="http://schemas.openxmlformats.org/drawingml/2006/main" xmlns:r="http://schemas.openxmlformats.org/officeDocument/2006/relationships" xmlns:p="http://schemas.openxmlformats.org/presentationml/2006/main">
+  <p:cSld>
+    <p:spTree>
+      <p:nvGrpSpPr>
+        <p:cNvPr id="1" name=""/>
+        <p:cNvGrpSpPr/>
+        <p:nvPr/>
+      </p:nvGrpSpPr>
+      <p:grpSpPr>
+        <a:xfrm>
+          <a:off x="0" y="0"/>
+          <a:ext cx="0" cy="0"/>
+          <a:chOff x="0" y="0"/>
+          <a:chExt cx="0" cy="0"/>
+        </a:xfrm>
+      </p:grpSpPr>
+      <p:sp>
+        <p:nvSpPr>
+          <p:cNvPr id="5" name="內容版面配置區 4"/>
+          <p:cNvSpPr>
+            <a:spLocks noGrp="1"/>
+          </p:cNvSpPr>
+          <p:nvPr>
+            <p:ph idx="1"/>
+          </p:nvPr>
+        </p:nvSpPr>
+        <p:spPr>
+          <a:xfrm>
+            <a:off x="0" y="2084853"/>
+            <a:ext cx="12192000" cy="2404863"/>
+          </a:xfrm>
+        </p:spPr>
+        <p:txBody>
+          <a:bodyPr anchor="ctr">
+            <a:normAutofit/>
+          </a:bodyPr>
+          <a:lstStyle/>
+          <a:p>
+            <a:pPr marL="0" indent="0" algn="ctr">
+              <a:buNone/>
+            </a:pPr>
+            <a:r>
+              <a:rPr lang="zh-CN" altLang="en-US" sz="6400" b="1" dirty="0">
+                <a:solidFill>
+                  <a:srgbClr val="000066"/>
+                </a:solidFill>
+                <a:ea typeface="Microsoft JhengHei" panose="020B0604030504040204" pitchFamily="34" charset="-120"/>
+              </a:rPr>
+              <a:t>真理聖靈充滿我心</a:t>
+            </a:r>
+            <a:endParaRPr lang="en-US" altLang="zh-CN" sz="6400" b="1" dirty="0">
+              <a:solidFill>
+                <a:srgbClr val="000066"/>
+              </a:solidFill>
+              <a:ea typeface="Microsoft JhengHei" panose="020B0604030504040204" pitchFamily="34" charset="-120"/>
+            </a:endParaRPr>
+          </a:p>
+          <a:p>
+            <a:pPr marL="0" indent="0" algn="ctr">
+              <a:buNone/>
+            </a:pPr>
+            <a:r>
+              <a:rPr lang="zh-CN" altLang="en-US" sz="6400" b="1" dirty="0">
+                <a:solidFill>
+                  <a:srgbClr val="000066"/>
+                </a:solidFill>
+                <a:ea typeface="Microsoft JhengHei" panose="020B0604030504040204" pitchFamily="34" charset="-120"/>
+              </a:rPr>
+              <a:t>表彰基督豐富生命</a:t>
+            </a:r>
+            <a:endParaRPr lang="vi-VN" sz="6400" b="1" dirty="0">
+              <a:solidFill>
+                <a:srgbClr val="000066"/>
+              </a:solidFill>
+              <a:ea typeface="Microsoft JhengHei" panose="020B0604030504040204" pitchFamily="34" charset="-120"/>
+            </a:endParaRPr>
+          </a:p>
+        </p:txBody>
+      </p:sp>
+      <p:sp>
+        <p:nvSpPr>
+          <p:cNvPr id="3" name="TextBox 2"/>
+          <p:cNvSpPr txBox="1"/>
+          <p:nvPr/>
+        </p:nvSpPr>
+        <p:spPr>
+          <a:xfrm>
+            <a:off x="0" y="5157194"/>
+            <a:ext cx="12192000" cy="830997"/>
+          </a:xfrm>
+          <a:prstGeom prst="rect">
+            <a:avLst/>
+          </a:prstGeom>
+          <a:noFill/>
+        </p:spPr>
+        <p:txBody>
+          <a:bodyPr wrap="square" rtlCol="0">
+            <a:spAutoFit/>
+          </a:bodyPr>
+          <a:lstStyle/>
+          <a:p>
+            <a:pPr algn="ctr"/>
+            <a:r>
+              <a:rPr lang="en-US" sz="4800" b="1" dirty="0">
+                <a:solidFill>
+                  <a:srgbClr val="000066"/>
+                </a:solidFill>
+                <a:effectLst/>
+              </a:rPr>
+              <a:t>( </a:t>
+            </a:r>
+            <a:r>
+              <a:rPr lang="en-US" sz="4800" b="1" dirty="0">
+                <a:solidFill>
+                  <a:srgbClr val="000066"/>
+                </a:solidFill>
+                <a:effectLst/>
+              </a:rPr>
+              <a:t>3 </a:t>
+            </a:r>
+            <a:r>
+              <a:rPr lang="en-US" sz="4800" b="1" dirty="0">
+                <a:solidFill>
+                  <a:srgbClr val="000066"/>
+                </a:solidFill>
+                <a:effectLst/>
+              </a:rPr>
+              <a:t>)</a:t>
+            </a:r>
+            <a:endParaRPr lang="vi-VN" sz="4800" b="1" dirty="0">
+              <a:solidFill>
+                <a:srgbClr val="000066"/>
+              </a:solidFill>
+              <a:effectLst/>
+            </a:endParaRPr>
+          </a:p>
+        </p:txBody>
+      </p:sp>
+    </p:spTree>
+    <p:extLst>
+      <p:ext uri="{BB962C8B-B14F-4D97-AF65-F5344CB8AC3E}">
+        <p14:creationId xmlns:p14="http://schemas.microsoft.com/office/powerpoint/2010/main" val="3333674507"/>
+      </p:ext>
+    </p:extLst>
+  </p:cSld>
+  <p:clrMapOvr>
+    <a:masterClrMapping/>
+  </p:clrMapOvr>
+  <p:timing>
+    <p:tnLst>
+      <p:par>
+        <p:cTn id="1" dur="indefinite" restart="never" nodeType="tmRoot"/>
+      </p:par>
+    </p:tnLst>
+  </p:timing>
+</p:sld>
+</file>
+
+<file path=ppt/slides/slide12.xml><?xml version="1.0" encoding="utf-8"?>
+<p:sld xmlns:a="http://schemas.openxmlformats.org/drawingml/2006/main" xmlns:r="http://schemas.openxmlformats.org/officeDocument/2006/relationships" xmlns:p="http://schemas.openxmlformats.org/presentationml/2006/main">
+  <p:cSld>
+    <p:spTree>
+      <p:nvGrpSpPr>
+        <p:cNvPr id="1" name=""/>
+        <p:cNvGrpSpPr/>
+        <p:nvPr/>
+      </p:nvGrpSpPr>
+      <p:grpSpPr>
+        <a:xfrm>
+          <a:off x="0" y="0"/>
+          <a:ext cx="0" cy="0"/>
+          <a:chOff x="0" y="0"/>
+          <a:chExt cx="0" cy="0"/>
+        </a:xfrm>
+      </p:grpSpPr>
+      <p:sp>
+        <p:nvSpPr>
+          <p:cNvPr id="5" name="內容版面配置區 4"/>
+          <p:cNvSpPr>
+            <a:spLocks noGrp="1"/>
+          </p:cNvSpPr>
+          <p:nvPr>
+            <p:ph idx="1"/>
+          </p:nvPr>
+        </p:nvSpPr>
+        <p:spPr>
+          <a:xfrm>
+            <a:off x="0" y="2084853"/>
+            <a:ext cx="12192000" cy="2404863"/>
+          </a:xfrm>
+        </p:spPr>
+        <p:txBody>
+          <a:bodyPr anchor="ctr">
+            <a:normAutofit/>
+          </a:bodyPr>
+          <a:lstStyle/>
+          <a:p>
+            <a:pPr marL="0" indent="0" algn="ctr">
+              <a:buNone/>
+            </a:pPr>
+            <a:r>
+              <a:rPr lang="zh-CN" altLang="en-US" sz="6400" b="1" dirty="0">
+                <a:solidFill>
+                  <a:srgbClr val="000066"/>
+                </a:solidFill>
+                <a:latin typeface="Microsoft JhengHei" panose="020B0604030504040204" pitchFamily="34" charset="-120"/>
+                <a:ea typeface="Microsoft JhengHei" panose="020B0604030504040204" pitchFamily="34" charset="-120"/>
+              </a:rPr>
+              <a:t>惟獨耶穌  永遠耶穌</a:t>
+            </a:r>
+            <a:endParaRPr lang="en-US" altLang="zh-CN" sz="6400" b="1" dirty="0">
+              <a:solidFill>
+                <a:srgbClr val="000066"/>
+              </a:solidFill>
+              <a:latin typeface="Microsoft JhengHei" panose="020B0604030504040204" pitchFamily="34" charset="-120"/>
+              <a:ea typeface="Microsoft JhengHei" panose="020B0604030504040204" pitchFamily="34" charset="-120"/>
+            </a:endParaRPr>
+          </a:p>
+          <a:p>
+            <a:pPr marL="0" indent="0" algn="ctr">
+              <a:buNone/>
+            </a:pPr>
+            <a:r>
+              <a:rPr lang="zh-CN" altLang="en-US" sz="6400" b="1" dirty="0">
+                <a:solidFill>
+                  <a:srgbClr val="000066"/>
+                </a:solidFill>
+                <a:latin typeface="Microsoft JhengHei" panose="020B0604030504040204" pitchFamily="34" charset="-120"/>
+                <a:ea typeface="Microsoft JhengHei" panose="020B0604030504040204" pitchFamily="34" charset="-120"/>
+              </a:rPr>
+              <a:t>我心讚美  我口傳揚</a:t>
+            </a:r>
+            <a:endParaRPr lang="vi-VN" sz="6400" b="1" dirty="0">
+              <a:solidFill>
+                <a:srgbClr val="000066"/>
+              </a:solidFill>
+              <a:ea typeface="Microsoft JhengHei" panose="020B0604030504040204" pitchFamily="34" charset="-120"/>
+            </a:endParaRPr>
+          </a:p>
+        </p:txBody>
+      </p:sp>
+    </p:spTree>
+    <p:extLst>
+      <p:ext uri="{BB962C8B-B14F-4D97-AF65-F5344CB8AC3E}">
+        <p14:creationId xmlns:p14="http://schemas.microsoft.com/office/powerpoint/2010/main" val="1133490182"/>
+      </p:ext>
+    </p:extLst>
+  </p:cSld>
+  <p:clrMapOvr>
+    <a:masterClrMapping/>
+  </p:clrMapOvr>
+  <p:timing>
+    <p:tnLst>
+      <p:par>
+        <p:cTn id="1" dur="indefinite" restart="never" nodeType="tmRoot"/>
+      </p:par>
+    </p:tnLst>
+  </p:timing>
+</p:sld>
+</file>
+
+<file path=ppt/slides/slide13.xml><?xml version="1.0" encoding="utf-8"?>
+<p:sld xmlns:a="http://schemas.openxmlformats.org/drawingml/2006/main" xmlns:r="http://schemas.openxmlformats.org/officeDocument/2006/relationships" xmlns:p="http://schemas.openxmlformats.org/presentationml/2006/main">
+  <p:cSld>
+    <p:spTree>
+      <p:nvGrpSpPr>
+        <p:cNvPr id="1" name=""/>
+        <p:cNvGrpSpPr/>
+        <p:nvPr/>
+      </p:nvGrpSpPr>
+      <p:grpSpPr>
+        <a:xfrm>
+          <a:off x="0" y="0"/>
+          <a:ext cx="0" cy="0"/>
+          <a:chOff x="0" y="0"/>
+          <a:chExt cx="0" cy="0"/>
+        </a:xfrm>
+      </p:grpSpPr>
+      <p:sp>
+        <p:nvSpPr>
+          <p:cNvPr id="5" name="內容版面配置區 4"/>
+          <p:cNvSpPr>
+            <a:spLocks noGrp="1"/>
+          </p:cNvSpPr>
+          <p:nvPr>
+            <p:ph idx="1"/>
+          </p:nvPr>
+        </p:nvSpPr>
+        <p:spPr>
+          <a:xfrm>
+            <a:off x="0" y="2084853"/>
+            <a:ext cx="12192000" cy="2404863"/>
+          </a:xfrm>
+        </p:spPr>
+        <p:txBody>
+          <a:bodyPr anchor="ctr">
+            <a:normAutofit/>
+          </a:bodyPr>
+          <a:lstStyle/>
+          <a:p>
+            <a:pPr marL="0" indent="0" algn="ctr">
+              <a:buNone/>
+            </a:pPr>
+            <a:r>
+              <a:rPr lang="zh-CN" altLang="en-US" sz="6400" b="1" dirty="0">
+                <a:solidFill>
+                  <a:srgbClr val="000066"/>
+                </a:solidFill>
+                <a:latin typeface="Microsoft JhengHei" panose="020B0604030504040204" pitchFamily="34" charset="-120"/>
+                <a:ea typeface="Microsoft JhengHei" panose="020B0604030504040204" pitchFamily="34" charset="-120"/>
+              </a:rPr>
+              <a:t>救我醫我使我成聖</a:t>
+            </a:r>
+            <a:endParaRPr lang="en-US" altLang="zh-CN" sz="6400" b="1" dirty="0">
+              <a:solidFill>
+                <a:srgbClr val="000066"/>
+              </a:solidFill>
+              <a:latin typeface="Microsoft JhengHei" panose="020B0604030504040204" pitchFamily="34" charset="-120"/>
+              <a:ea typeface="Microsoft JhengHei" panose="020B0604030504040204" pitchFamily="34" charset="-120"/>
+            </a:endParaRPr>
+          </a:p>
+          <a:p>
+            <a:pPr marL="0" indent="0" algn="ctr">
+              <a:buNone/>
+            </a:pPr>
+            <a:r>
+              <a:rPr lang="zh-CN" altLang="en-US" sz="6400" b="1" dirty="0">
+                <a:solidFill>
+                  <a:srgbClr val="000066"/>
+                </a:solidFill>
+                <a:latin typeface="Microsoft JhengHei" panose="020B0604030504040204" pitchFamily="34" charset="-120"/>
+                <a:ea typeface="Microsoft JhengHei" panose="020B0604030504040204" pitchFamily="34" charset="-120"/>
+              </a:rPr>
+              <a:t>榮耀救主再來之王</a:t>
+            </a:r>
+            <a:endParaRPr lang="vi-VN" sz="6400" b="1" dirty="0">
+              <a:solidFill>
+                <a:srgbClr val="000066"/>
+              </a:solidFill>
+              <a:ea typeface="Microsoft JhengHei" panose="020B0604030504040204" pitchFamily="34" charset="-120"/>
+            </a:endParaRPr>
+          </a:p>
+        </p:txBody>
+      </p:sp>
+    </p:spTree>
+    <p:extLst>
+      <p:ext uri="{BB962C8B-B14F-4D97-AF65-F5344CB8AC3E}">
+        <p14:creationId xmlns:p14="http://schemas.microsoft.com/office/powerpoint/2010/main" val="2821027555"/>
+      </p:ext>
+    </p:extLst>
+  </p:cSld>
+  <p:clrMapOvr>
+    <a:masterClrMapping/>
+  </p:clrMapOvr>
+  <p:timing>
+    <p:tnLst>
+      <p:par>
+        <p:cTn id="1" dur="indefinite" restart="never" nodeType="tmRoot"/>
+      </p:par>
+    </p:tnLst>
+  </p:timing>
+</p:sld>
+</file>
+
+<file path=ppt/slides/slide14.xml><?xml version="1.0" encoding="utf-8"?>
+<p:sld xmlns:a="http://schemas.openxmlformats.org/drawingml/2006/main" xmlns:r="http://schemas.openxmlformats.org/officeDocument/2006/relationships" xmlns:p="http://schemas.openxmlformats.org/presentationml/2006/main">
+  <p:cSld>
+    <p:spTree>
+      <p:nvGrpSpPr>
+        <p:cNvPr id="1" name=""/>
+        <p:cNvGrpSpPr/>
+        <p:nvPr/>
+      </p:nvGrpSpPr>
+      <p:grpSpPr>
+        <a:xfrm>
+          <a:off x="0" y="0"/>
+          <a:ext cx="0" cy="0"/>
+          <a:chOff x="0" y="0"/>
+          <a:chExt cx="0" cy="0"/>
+        </a:xfrm>
+      </p:grpSpPr>
+      <p:sp>
+        <p:nvSpPr>
+          <p:cNvPr id="5" name="內容版面配置區 4"/>
+          <p:cNvSpPr>
+            <a:spLocks noGrp="1"/>
+          </p:cNvSpPr>
+          <p:nvPr>
+            <p:ph idx="1"/>
+          </p:nvPr>
+        </p:nvSpPr>
+        <p:spPr>
+          <a:xfrm>
+            <a:off x="0" y="2084853"/>
+            <a:ext cx="12192000" cy="2404863"/>
+          </a:xfrm>
+        </p:spPr>
+        <p:txBody>
+          <a:bodyPr anchor="ctr">
+            <a:normAutofit/>
+          </a:bodyPr>
+          <a:lstStyle/>
+          <a:p>
+            <a:pPr marL="0" indent="0" algn="ctr">
+              <a:buNone/>
+            </a:pPr>
+            <a:r>
+              <a:rPr lang="zh-CN" altLang="en-US" sz="6400" b="1" dirty="0">
+                <a:solidFill>
+                  <a:srgbClr val="000066"/>
+                </a:solidFill>
+                <a:ea typeface="Microsoft JhengHei" panose="020B0604030504040204" pitchFamily="34" charset="-120"/>
+              </a:rPr>
+              <a:t>惟獨耶穌醫我疾病</a:t>
+            </a:r>
+            <a:endParaRPr lang="en-US" altLang="zh-CN" sz="6400" b="1" dirty="0">
+              <a:solidFill>
+                <a:srgbClr val="000066"/>
+              </a:solidFill>
+              <a:ea typeface="Microsoft JhengHei" panose="020B0604030504040204" pitchFamily="34" charset="-120"/>
+            </a:endParaRPr>
+          </a:p>
+          <a:p>
+            <a:pPr marL="0" indent="0" algn="ctr">
+              <a:buNone/>
+            </a:pPr>
+            <a:r>
+              <a:rPr lang="zh-CN" altLang="en-US" sz="6400" b="1" dirty="0">
+                <a:solidFill>
+                  <a:srgbClr val="000066"/>
+                </a:solidFill>
+                <a:ea typeface="Microsoft JhengHei" panose="020B0604030504040204" pitchFamily="34" charset="-120"/>
+              </a:rPr>
+              <a:t>全能耶穌救我到底</a:t>
+            </a:r>
+            <a:endParaRPr lang="en-US" altLang="zh-CN" sz="6400" b="1" dirty="0">
+              <a:solidFill>
+                <a:srgbClr val="000066"/>
+              </a:solidFill>
+              <a:ea typeface="Microsoft JhengHei" panose="020B0604030504040204" pitchFamily="34" charset="-120"/>
+            </a:endParaRPr>
+          </a:p>
+        </p:txBody>
+      </p:sp>
+      <p:sp>
+        <p:nvSpPr>
+          <p:cNvPr id="3" name="TextBox 2"/>
+          <p:cNvSpPr txBox="1"/>
+          <p:nvPr/>
+        </p:nvSpPr>
+        <p:spPr>
+          <a:xfrm>
+            <a:off x="0" y="5157194"/>
+            <a:ext cx="12192000" cy="830997"/>
+          </a:xfrm>
+          <a:prstGeom prst="rect">
+            <a:avLst/>
+          </a:prstGeom>
+          <a:noFill/>
+        </p:spPr>
+        <p:txBody>
+          <a:bodyPr wrap="square" rtlCol="0">
+            <a:spAutoFit/>
+          </a:bodyPr>
+          <a:lstStyle/>
+          <a:p>
+            <a:pPr algn="ctr"/>
+            <a:r>
+              <a:rPr lang="en-US" sz="4800" b="1" dirty="0">
+                <a:solidFill>
+                  <a:srgbClr val="000066"/>
+                </a:solidFill>
+                <a:effectLst/>
+              </a:rPr>
+              <a:t>( </a:t>
+            </a:r>
+            <a:r>
+              <a:rPr lang="en-US" sz="4800" b="1" dirty="0">
+                <a:solidFill>
+                  <a:srgbClr val="000066"/>
+                </a:solidFill>
+                <a:effectLst/>
+              </a:rPr>
+              <a:t>4 </a:t>
+            </a:r>
+            <a:r>
+              <a:rPr lang="en-US" sz="4800" b="1" dirty="0">
+                <a:solidFill>
+                  <a:srgbClr val="000066"/>
+                </a:solidFill>
+                <a:effectLst/>
+              </a:rPr>
+              <a:t>)</a:t>
+            </a:r>
+            <a:endParaRPr lang="vi-VN" sz="4800" b="1" dirty="0">
+              <a:solidFill>
+                <a:srgbClr val="000066"/>
+              </a:solidFill>
+              <a:effectLst/>
+            </a:endParaRPr>
+          </a:p>
+        </p:txBody>
+      </p:sp>
+    </p:spTree>
+    <p:extLst>
+      <p:ext uri="{BB962C8B-B14F-4D97-AF65-F5344CB8AC3E}">
+        <p14:creationId xmlns:p14="http://schemas.microsoft.com/office/powerpoint/2010/main" val="3151657604"/>
+      </p:ext>
+    </p:extLst>
+  </p:cSld>
+  <p:clrMapOvr>
+    <a:masterClrMapping/>
+  </p:clrMapOvr>
+  <p:timing>
+    <p:tnLst>
+      <p:par>
+        <p:cTn id="1" dur="indefinite" restart="never" nodeType="tmRoot"/>
+      </p:par>
+    </p:tnLst>
+  </p:timing>
+</p:sld>
+</file>
+
+<file path=ppt/slides/slide15.xml><?xml version="1.0" encoding="utf-8"?>
+<p:sld xmlns:a="http://schemas.openxmlformats.org/drawingml/2006/main" xmlns:r="http://schemas.openxmlformats.org/officeDocument/2006/relationships" xmlns:p="http://schemas.openxmlformats.org/presentationml/2006/main">
+  <p:cSld>
+    <p:spTree>
+      <p:nvGrpSpPr>
+        <p:cNvPr id="1" name=""/>
+        <p:cNvGrpSpPr/>
+        <p:nvPr/>
+      </p:nvGrpSpPr>
+      <p:grpSpPr>
+        <a:xfrm>
+          <a:off x="0" y="0"/>
+          <a:ext cx="0" cy="0"/>
+          <a:chOff x="0" y="0"/>
+          <a:chExt cx="0" cy="0"/>
+        </a:xfrm>
+      </p:grpSpPr>
+      <p:sp>
+        <p:nvSpPr>
+          <p:cNvPr id="5" name="內容版面配置區 4"/>
+          <p:cNvSpPr>
+            <a:spLocks noGrp="1"/>
+          </p:cNvSpPr>
+          <p:nvPr>
+            <p:ph idx="1"/>
+          </p:nvPr>
+        </p:nvSpPr>
+        <p:spPr>
+          <a:xfrm>
+            <a:off x="0" y="2084853"/>
+            <a:ext cx="12192000" cy="2404863"/>
+          </a:xfrm>
+        </p:spPr>
+        <p:txBody>
+          <a:bodyPr anchor="ctr">
+            <a:normAutofit/>
+          </a:bodyPr>
+          <a:lstStyle/>
+          <a:p>
+            <a:pPr marL="0" indent="0" algn="ctr">
+              <a:buNone/>
+            </a:pPr>
+            <a:r>
+              <a:rPr lang="zh-CN" altLang="en-US" sz="6400" b="1" dirty="0">
+                <a:solidFill>
+                  <a:srgbClr val="000066"/>
+                </a:solidFill>
+                <a:ea typeface="Microsoft JhengHei" panose="020B0604030504040204" pitchFamily="34" charset="-120"/>
+              </a:rPr>
+              <a:t>復活救主為我生命</a:t>
+            </a:r>
+            <a:endParaRPr lang="en-US" altLang="zh-CN" sz="6400" b="1" dirty="0">
+              <a:solidFill>
+                <a:srgbClr val="000066"/>
+              </a:solidFill>
+              <a:ea typeface="Microsoft JhengHei" panose="020B0604030504040204" pitchFamily="34" charset="-120"/>
+            </a:endParaRPr>
+          </a:p>
+          <a:p>
+            <a:pPr marL="0" indent="0" algn="ctr">
+              <a:buNone/>
+            </a:pPr>
+            <a:r>
+              <a:rPr lang="zh-CN" altLang="en-US" sz="6400" b="1" dirty="0">
+                <a:solidFill>
+                  <a:srgbClr val="000066"/>
+                </a:solidFill>
+                <a:ea typeface="Microsoft JhengHei" panose="020B0604030504040204" pitchFamily="34" charset="-120"/>
+              </a:rPr>
+              <a:t>我屬耶穌是主肢體</a:t>
+            </a:r>
+            <a:endParaRPr lang="vi-VN" sz="6400" b="1" dirty="0">
+              <a:solidFill>
+                <a:srgbClr val="000066"/>
+              </a:solidFill>
+              <a:ea typeface="Microsoft JhengHei" panose="020B0604030504040204" pitchFamily="34" charset="-120"/>
+            </a:endParaRPr>
+          </a:p>
+        </p:txBody>
+      </p:sp>
+      <p:sp>
+        <p:nvSpPr>
+          <p:cNvPr id="3" name="TextBox 2"/>
+          <p:cNvSpPr txBox="1"/>
+          <p:nvPr/>
+        </p:nvSpPr>
+        <p:spPr>
+          <a:xfrm>
+            <a:off x="0" y="5157194"/>
+            <a:ext cx="12192000" cy="830997"/>
+          </a:xfrm>
+          <a:prstGeom prst="rect">
+            <a:avLst/>
+          </a:prstGeom>
+          <a:noFill/>
+        </p:spPr>
+        <p:txBody>
+          <a:bodyPr wrap="square" rtlCol="0">
+            <a:spAutoFit/>
+          </a:bodyPr>
+          <a:lstStyle/>
+          <a:p>
+            <a:pPr algn="ctr"/>
+            <a:r>
+              <a:rPr lang="en-US" sz="4800" b="1" dirty="0">
+                <a:solidFill>
+                  <a:srgbClr val="000066"/>
+                </a:solidFill>
+                <a:effectLst/>
+              </a:rPr>
+              <a:t>( </a:t>
+            </a:r>
+            <a:r>
+              <a:rPr lang="en-US" sz="4800" b="1" dirty="0">
+                <a:solidFill>
+                  <a:srgbClr val="000066"/>
+                </a:solidFill>
+                <a:effectLst/>
+              </a:rPr>
+              <a:t>4 </a:t>
+            </a:r>
+            <a:r>
+              <a:rPr lang="en-US" sz="4800" b="1" dirty="0">
+                <a:solidFill>
+                  <a:srgbClr val="000066"/>
+                </a:solidFill>
+                <a:effectLst/>
+              </a:rPr>
+              <a:t>)</a:t>
+            </a:r>
+            <a:endParaRPr lang="vi-VN" sz="4800" b="1" dirty="0">
+              <a:solidFill>
+                <a:srgbClr val="000066"/>
+              </a:solidFill>
+              <a:effectLst/>
+            </a:endParaRPr>
+          </a:p>
+        </p:txBody>
+      </p:sp>
+    </p:spTree>
+    <p:extLst>
+      <p:ext uri="{BB962C8B-B14F-4D97-AF65-F5344CB8AC3E}">
+        <p14:creationId xmlns:p14="http://schemas.microsoft.com/office/powerpoint/2010/main" val="2053309489"/>
+      </p:ext>
+    </p:extLst>
+  </p:cSld>
+  <p:clrMapOvr>
+    <a:masterClrMapping/>
+  </p:clrMapOvr>
+  <p:timing>
+    <p:tnLst>
+      <p:par>
+        <p:cTn id="1" dur="indefinite" restart="never" nodeType="tmRoot"/>
+      </p:par>
+    </p:tnLst>
+  </p:timing>
+</p:sld>
+</file>
+
+<file path=ppt/slides/slide16.xml><?xml version="1.0" encoding="utf-8"?>
+<p:sld xmlns:a="http://schemas.openxmlformats.org/drawingml/2006/main" xmlns:r="http://schemas.openxmlformats.org/officeDocument/2006/relationships" xmlns:p="http://schemas.openxmlformats.org/presentationml/2006/main">
+  <p:cSld>
+    <p:spTree>
+      <p:nvGrpSpPr>
+        <p:cNvPr id="1" name=""/>
+        <p:cNvGrpSpPr/>
+        <p:nvPr/>
+      </p:nvGrpSpPr>
+      <p:grpSpPr>
+        <a:xfrm>
+          <a:off x="0" y="0"/>
+          <a:ext cx="0" cy="0"/>
+          <a:chOff x="0" y="0"/>
+          <a:chExt cx="0" cy="0"/>
+        </a:xfrm>
+      </p:grpSpPr>
+      <p:sp>
+        <p:nvSpPr>
+          <p:cNvPr id="5" name="內容版面配置區 4"/>
+          <p:cNvSpPr>
+            <a:spLocks noGrp="1"/>
+          </p:cNvSpPr>
+          <p:nvPr>
+            <p:ph idx="1"/>
+          </p:nvPr>
+        </p:nvSpPr>
+        <p:spPr>
+          <a:xfrm>
+            <a:off x="0" y="2084853"/>
+            <a:ext cx="12192000" cy="2404863"/>
+          </a:xfrm>
+        </p:spPr>
+        <p:txBody>
+          <a:bodyPr anchor="ctr">
+            <a:normAutofit/>
+          </a:bodyPr>
+          <a:lstStyle/>
+          <a:p>
+            <a:pPr marL="0" indent="0" algn="ctr">
+              <a:buNone/>
+            </a:pPr>
+            <a:r>
+              <a:rPr lang="zh-CN" altLang="en-US" sz="6400" b="1" dirty="0">
+                <a:solidFill>
+                  <a:srgbClr val="000066"/>
+                </a:solidFill>
+                <a:latin typeface="Microsoft JhengHei" panose="020B0604030504040204" pitchFamily="34" charset="-120"/>
+                <a:ea typeface="Microsoft JhengHei" panose="020B0604030504040204" pitchFamily="34" charset="-120"/>
+              </a:rPr>
+              <a:t>惟獨耶穌  永遠耶穌</a:t>
+            </a:r>
+            <a:endParaRPr lang="en-US" altLang="zh-CN" sz="6400" b="1" dirty="0">
+              <a:solidFill>
+                <a:srgbClr val="000066"/>
+              </a:solidFill>
+              <a:latin typeface="Microsoft JhengHei" panose="020B0604030504040204" pitchFamily="34" charset="-120"/>
+              <a:ea typeface="Microsoft JhengHei" panose="020B0604030504040204" pitchFamily="34" charset="-120"/>
+            </a:endParaRPr>
+          </a:p>
+          <a:p>
+            <a:pPr marL="0" indent="0" algn="ctr">
+              <a:buNone/>
+            </a:pPr>
+            <a:r>
+              <a:rPr lang="zh-CN" altLang="en-US" sz="6400" b="1" dirty="0">
+                <a:solidFill>
+                  <a:srgbClr val="000066"/>
+                </a:solidFill>
+                <a:latin typeface="Microsoft JhengHei" panose="020B0604030504040204" pitchFamily="34" charset="-120"/>
+                <a:ea typeface="Microsoft JhengHei" panose="020B0604030504040204" pitchFamily="34" charset="-120"/>
+              </a:rPr>
+              <a:t>我心讚美  我口傳揚</a:t>
+            </a:r>
+            <a:endParaRPr lang="vi-VN" sz="6400" b="1" dirty="0">
+              <a:solidFill>
+                <a:srgbClr val="000066"/>
+              </a:solidFill>
+              <a:ea typeface="Microsoft JhengHei" panose="020B0604030504040204" pitchFamily="34" charset="-120"/>
+            </a:endParaRPr>
+          </a:p>
+        </p:txBody>
+      </p:sp>
+    </p:spTree>
+    <p:extLst>
+      <p:ext uri="{BB962C8B-B14F-4D97-AF65-F5344CB8AC3E}">
+        <p14:creationId xmlns:p14="http://schemas.microsoft.com/office/powerpoint/2010/main" val="3394105541"/>
+      </p:ext>
+    </p:extLst>
+  </p:cSld>
+  <p:clrMapOvr>
+    <a:masterClrMapping/>
+  </p:clrMapOvr>
+  <p:timing>
+    <p:tnLst>
+      <p:par>
+        <p:cTn id="1" dur="indefinite" restart="never" nodeType="tmRoot"/>
+      </p:par>
+    </p:tnLst>
+  </p:timing>
+</p:sld>
+</file>
+
+<file path=ppt/slides/slide17.xml><?xml version="1.0" encoding="utf-8"?>
+<p:sld xmlns:a="http://schemas.openxmlformats.org/drawingml/2006/main" xmlns:r="http://schemas.openxmlformats.org/officeDocument/2006/relationships" xmlns:p="http://schemas.openxmlformats.org/presentationml/2006/main">
+  <p:cSld>
+    <p:spTree>
+      <p:nvGrpSpPr>
+        <p:cNvPr id="1" name=""/>
+        <p:cNvGrpSpPr/>
+        <p:nvPr/>
+      </p:nvGrpSpPr>
+      <p:grpSpPr>
+        <a:xfrm>
+          <a:off x="0" y="0"/>
+          <a:ext cx="0" cy="0"/>
+          <a:chOff x="0" y="0"/>
+          <a:chExt cx="0" cy="0"/>
+        </a:xfrm>
+      </p:grpSpPr>
+      <p:sp>
+        <p:nvSpPr>
+          <p:cNvPr id="5" name="內容版面配置區 4"/>
+          <p:cNvSpPr>
+            <a:spLocks noGrp="1"/>
+          </p:cNvSpPr>
+          <p:nvPr>
+            <p:ph idx="1"/>
+          </p:nvPr>
+        </p:nvSpPr>
+        <p:spPr>
+          <a:xfrm>
+            <a:off x="0" y="2084853"/>
+            <a:ext cx="12192000" cy="2404863"/>
+          </a:xfrm>
+        </p:spPr>
+        <p:txBody>
+          <a:bodyPr anchor="ctr">
+            <a:normAutofit/>
+          </a:bodyPr>
+          <a:lstStyle/>
+          <a:p>
+            <a:pPr marL="0" indent="0" algn="ctr">
+              <a:buNone/>
+            </a:pPr>
+            <a:r>
+              <a:rPr lang="zh-CN" altLang="en-US" sz="6400" b="1" dirty="0">
+                <a:solidFill>
+                  <a:srgbClr val="000066"/>
+                </a:solidFill>
+                <a:latin typeface="Microsoft JhengHei" panose="020B0604030504040204" pitchFamily="34" charset="-120"/>
+                <a:ea typeface="Microsoft JhengHei" panose="020B0604030504040204" pitchFamily="34" charset="-120"/>
+              </a:rPr>
+              <a:t>救我醫我使我成聖</a:t>
+            </a:r>
+            <a:endParaRPr lang="en-US" altLang="zh-CN" sz="6400" b="1" dirty="0">
+              <a:solidFill>
+                <a:srgbClr val="000066"/>
+              </a:solidFill>
+              <a:latin typeface="Microsoft JhengHei" panose="020B0604030504040204" pitchFamily="34" charset="-120"/>
+              <a:ea typeface="Microsoft JhengHei" panose="020B0604030504040204" pitchFamily="34" charset="-120"/>
+            </a:endParaRPr>
+          </a:p>
+          <a:p>
+            <a:pPr marL="0" indent="0" algn="ctr">
+              <a:buNone/>
+            </a:pPr>
+            <a:r>
+              <a:rPr lang="zh-CN" altLang="en-US" sz="6400" b="1" dirty="0">
+                <a:solidFill>
+                  <a:srgbClr val="000066"/>
+                </a:solidFill>
+                <a:latin typeface="Microsoft JhengHei" panose="020B0604030504040204" pitchFamily="34" charset="-120"/>
+                <a:ea typeface="Microsoft JhengHei" panose="020B0604030504040204" pitchFamily="34" charset="-120"/>
+              </a:rPr>
+              <a:t>榮耀救主再來之王</a:t>
+            </a:r>
+            <a:endParaRPr lang="vi-VN" sz="6400" b="1" dirty="0">
+              <a:solidFill>
+                <a:srgbClr val="000066"/>
+              </a:solidFill>
+              <a:ea typeface="Microsoft JhengHei" panose="020B0604030504040204" pitchFamily="34" charset="-120"/>
+            </a:endParaRPr>
+          </a:p>
+        </p:txBody>
+      </p:sp>
+    </p:spTree>
+    <p:extLst>
+      <p:ext uri="{BB962C8B-B14F-4D97-AF65-F5344CB8AC3E}">
+        <p14:creationId xmlns:p14="http://schemas.microsoft.com/office/powerpoint/2010/main" val="2454616876"/>
+      </p:ext>
+    </p:extLst>
+  </p:cSld>
+  <p:clrMapOvr>
+    <a:masterClrMapping/>
+  </p:clrMapOvr>
+  <p:timing>
+    <p:tnLst>
+      <p:par>
+        <p:cTn id="1" dur="indefinite" restart="never" nodeType="tmRoot"/>
+      </p:par>
+    </p:tnLst>
+  </p:timing>
+</p:sld>
+</file>
+
+<file path=ppt/slides/slide18.xml><?xml version="1.0" encoding="utf-8"?>
+<p:sld xmlns:a="http://schemas.openxmlformats.org/drawingml/2006/main" xmlns:r="http://schemas.openxmlformats.org/officeDocument/2006/relationships" xmlns:p="http://schemas.openxmlformats.org/presentationml/2006/main">
+  <p:cSld>
+    <p:spTree>
+      <p:nvGrpSpPr>
+        <p:cNvPr id="1" name=""/>
+        <p:cNvGrpSpPr/>
+        <p:nvPr/>
+      </p:nvGrpSpPr>
+      <p:grpSpPr>
+        <a:xfrm>
+          <a:off x="0" y="0"/>
+          <a:ext cx="0" cy="0"/>
+          <a:chOff x="0" y="0"/>
+          <a:chExt cx="0" cy="0"/>
+        </a:xfrm>
+      </p:grpSpPr>
+      <p:sp>
+        <p:nvSpPr>
+          <p:cNvPr id="5" name="內容版面配置區 4"/>
+          <p:cNvSpPr>
+            <a:spLocks noGrp="1"/>
+          </p:cNvSpPr>
+          <p:nvPr>
+            <p:ph idx="1"/>
+          </p:nvPr>
+        </p:nvSpPr>
+        <p:spPr>
+          <a:xfrm>
+            <a:off x="0" y="2084853"/>
+            <a:ext cx="12192000" cy="2404863"/>
+          </a:xfrm>
+        </p:spPr>
+        <p:txBody>
+          <a:bodyPr anchor="ctr">
+            <a:normAutofit/>
+          </a:bodyPr>
+          <a:lstStyle/>
+          <a:p>
+            <a:pPr marL="0" indent="0" algn="ctr">
+              <a:buNone/>
+            </a:pPr>
+            <a:r>
+              <a:rPr lang="zh-CN" altLang="en-US" sz="6400" b="1" dirty="0">
+                <a:solidFill>
+                  <a:srgbClr val="000066"/>
+                </a:solidFill>
+                <a:ea typeface="Microsoft JhengHei" panose="020B0604030504040204" pitchFamily="34" charset="-120"/>
+              </a:rPr>
+              <a:t>惟獨耶穌再臨君王</a:t>
+            </a:r>
+            <a:endParaRPr lang="en-US" altLang="zh-CN" sz="6400" b="1" dirty="0">
+              <a:solidFill>
+                <a:srgbClr val="000066"/>
+              </a:solidFill>
+              <a:ea typeface="Microsoft JhengHei" panose="020B0604030504040204" pitchFamily="34" charset="-120"/>
+            </a:endParaRPr>
+          </a:p>
+          <a:p>
+            <a:pPr marL="0" indent="0" algn="ctr">
+              <a:buNone/>
+            </a:pPr>
+            <a:r>
+              <a:rPr lang="zh-CN" altLang="en-US" sz="6400" b="1" dirty="0">
+                <a:solidFill>
+                  <a:srgbClr val="000066"/>
+                </a:solidFill>
+                <a:ea typeface="Microsoft JhengHei" panose="020B0604030504040204" pitchFamily="34" charset="-120"/>
+              </a:rPr>
+              <a:t>儆醒等候主來之聲</a:t>
+            </a:r>
+            <a:endParaRPr lang="en-US" altLang="zh-CN" sz="6400" b="1" dirty="0">
+              <a:solidFill>
+                <a:srgbClr val="000066"/>
+              </a:solidFill>
+              <a:ea typeface="Microsoft JhengHei" panose="020B0604030504040204" pitchFamily="34" charset="-120"/>
+            </a:endParaRPr>
+          </a:p>
+        </p:txBody>
+      </p:sp>
+      <p:sp>
+        <p:nvSpPr>
+          <p:cNvPr id="3" name="TextBox 2"/>
+          <p:cNvSpPr txBox="1"/>
+          <p:nvPr/>
+        </p:nvSpPr>
+        <p:spPr>
+          <a:xfrm>
+            <a:off x="0" y="5157194"/>
+            <a:ext cx="12192000" cy="830997"/>
+          </a:xfrm>
+          <a:prstGeom prst="rect">
+            <a:avLst/>
+          </a:prstGeom>
+          <a:noFill/>
+        </p:spPr>
+        <p:txBody>
+          <a:bodyPr wrap="square" rtlCol="0">
+            <a:spAutoFit/>
+          </a:bodyPr>
+          <a:lstStyle/>
+          <a:p>
+            <a:pPr algn="ctr"/>
+            <a:r>
+              <a:rPr lang="en-US" sz="4800" b="1" dirty="0">
+                <a:solidFill>
+                  <a:srgbClr val="000066"/>
+                </a:solidFill>
+                <a:effectLst/>
+              </a:rPr>
+              <a:t>( </a:t>
+            </a:r>
+            <a:r>
+              <a:rPr lang="en-US" sz="4800" b="1" dirty="0">
+                <a:solidFill>
+                  <a:srgbClr val="000066"/>
+                </a:solidFill>
+                <a:effectLst/>
+              </a:rPr>
+              <a:t>5 </a:t>
+            </a:r>
+            <a:r>
+              <a:rPr lang="en-US" sz="4800" b="1" dirty="0">
+                <a:solidFill>
+                  <a:srgbClr val="000066"/>
+                </a:solidFill>
+                <a:effectLst/>
+              </a:rPr>
+              <a:t>)</a:t>
+            </a:r>
+            <a:endParaRPr lang="vi-VN" sz="4800" b="1" dirty="0">
+              <a:solidFill>
+                <a:srgbClr val="000066"/>
+              </a:solidFill>
+              <a:effectLst/>
+            </a:endParaRPr>
+          </a:p>
+        </p:txBody>
+      </p:sp>
+    </p:spTree>
+    <p:extLst>
+      <p:ext uri="{BB962C8B-B14F-4D97-AF65-F5344CB8AC3E}">
+        <p14:creationId xmlns:p14="http://schemas.microsoft.com/office/powerpoint/2010/main" val="1488695726"/>
+      </p:ext>
+    </p:extLst>
+  </p:cSld>
+  <p:clrMapOvr>
+    <a:masterClrMapping/>
+  </p:clrMapOvr>
+  <p:timing>
+    <p:tnLst>
+      <p:par>
+        <p:cTn id="1" dur="indefinite" restart="never" nodeType="tmRoot"/>
+      </p:par>
+    </p:tnLst>
+  </p:timing>
+</p:sld>
+</file>
+
+<file path=ppt/slides/slide19.xml><?xml version="1.0" encoding="utf-8"?>
+<p:sld xmlns:a="http://schemas.openxmlformats.org/drawingml/2006/main" xmlns:r="http://schemas.openxmlformats.org/officeDocument/2006/relationships" xmlns:p="http://schemas.openxmlformats.org/presentationml/2006/main">
+  <p:cSld>
+    <p:spTree>
+      <p:nvGrpSpPr>
+        <p:cNvPr id="1" name=""/>
+        <p:cNvGrpSpPr/>
+        <p:nvPr/>
+      </p:nvGrpSpPr>
+      <p:grpSpPr>
+        <a:xfrm>
+          <a:off x="0" y="0"/>
+          <a:ext cx="0" cy="0"/>
+          <a:chOff x="0" y="0"/>
+          <a:chExt cx="0" cy="0"/>
+        </a:xfrm>
+      </p:grpSpPr>
+      <p:sp>
+        <p:nvSpPr>
+          <p:cNvPr id="5" name="內容版面配置區 4"/>
+          <p:cNvSpPr>
+            <a:spLocks noGrp="1"/>
+          </p:cNvSpPr>
+          <p:nvPr>
+            <p:ph idx="1"/>
+          </p:nvPr>
+        </p:nvSpPr>
+        <p:spPr>
+          <a:xfrm>
+            <a:off x="0" y="2084853"/>
+            <a:ext cx="12192000" cy="2404863"/>
+          </a:xfrm>
+        </p:spPr>
+        <p:txBody>
+          <a:bodyPr anchor="ctr">
+            <a:normAutofit/>
+          </a:bodyPr>
+          <a:lstStyle/>
+          <a:p>
+            <a:pPr marL="0" indent="0" algn="ctr">
+              <a:buNone/>
+            </a:pPr>
+            <a:r>
+              <a:rPr lang="zh-CN" altLang="en-US" sz="6400" b="1" dirty="0">
+                <a:solidFill>
+                  <a:srgbClr val="000066"/>
+                </a:solidFill>
+                <a:ea typeface="Microsoft JhengHei" panose="020B0604030504040204" pitchFamily="34" charset="-120"/>
+              </a:rPr>
+              <a:t>接我昇天榮耀盼望</a:t>
+            </a:r>
+            <a:endParaRPr lang="en-US" altLang="zh-CN" sz="6400" b="1" dirty="0">
+              <a:solidFill>
+                <a:srgbClr val="000066"/>
+              </a:solidFill>
+              <a:ea typeface="Microsoft JhengHei" panose="020B0604030504040204" pitchFamily="34" charset="-120"/>
+            </a:endParaRPr>
+          </a:p>
+          <a:p>
+            <a:pPr marL="0" indent="0" algn="ctr">
+              <a:buNone/>
+            </a:pPr>
+            <a:r>
+              <a:rPr lang="zh-CN" altLang="en-US" sz="6400" b="1" dirty="0">
+                <a:solidFill>
+                  <a:srgbClr val="000066"/>
+                </a:solidFill>
+                <a:ea typeface="Microsoft JhengHei" panose="020B0604030504040204" pitchFamily="34" charset="-120"/>
+              </a:rPr>
+              <a:t>惟獨耶穌永生真神</a:t>
+            </a:r>
+            <a:endParaRPr lang="vi-VN" sz="6400" b="1" dirty="0">
+              <a:solidFill>
+                <a:srgbClr val="000066"/>
+              </a:solidFill>
+              <a:ea typeface="Microsoft JhengHei" panose="020B0604030504040204" pitchFamily="34" charset="-120"/>
+            </a:endParaRPr>
+          </a:p>
+        </p:txBody>
+      </p:sp>
+      <p:sp>
+        <p:nvSpPr>
+          <p:cNvPr id="3" name="TextBox 2"/>
+          <p:cNvSpPr txBox="1"/>
+          <p:nvPr/>
+        </p:nvSpPr>
+        <p:spPr>
+          <a:xfrm>
+            <a:off x="0" y="5157194"/>
+            <a:ext cx="12192000" cy="830997"/>
+          </a:xfrm>
+          <a:prstGeom prst="rect">
+            <a:avLst/>
+          </a:prstGeom>
+          <a:noFill/>
+        </p:spPr>
+        <p:txBody>
+          <a:bodyPr wrap="square" rtlCol="0">
+            <a:spAutoFit/>
+          </a:bodyPr>
+          <a:lstStyle/>
+          <a:p>
+            <a:pPr algn="ctr"/>
+            <a:r>
+              <a:rPr lang="en-US" sz="4800" b="1" dirty="0">
+                <a:solidFill>
+                  <a:srgbClr val="000066"/>
+                </a:solidFill>
+                <a:effectLst/>
+              </a:rPr>
+              <a:t>( </a:t>
+            </a:r>
+            <a:r>
+              <a:rPr lang="en-US" sz="4800" b="1" dirty="0">
+                <a:solidFill>
+                  <a:srgbClr val="000066"/>
+                </a:solidFill>
+                <a:effectLst/>
+              </a:rPr>
+              <a:t>5 </a:t>
+            </a:r>
+            <a:r>
+              <a:rPr lang="en-US" sz="4800" b="1" dirty="0">
+                <a:solidFill>
+                  <a:srgbClr val="000066"/>
+                </a:solidFill>
+                <a:effectLst/>
+              </a:rPr>
+              <a:t>)</a:t>
+            </a:r>
+            <a:endParaRPr lang="vi-VN" sz="4800" b="1" dirty="0">
+              <a:solidFill>
+                <a:srgbClr val="000066"/>
+              </a:solidFill>
+              <a:effectLst/>
+            </a:endParaRPr>
+          </a:p>
+        </p:txBody>
+      </p:sp>
+    </p:spTree>
+    <p:extLst>
+      <p:ext uri="{BB962C8B-B14F-4D97-AF65-F5344CB8AC3E}">
+        <p14:creationId xmlns:p14="http://schemas.microsoft.com/office/powerpoint/2010/main" val="784113031"/>
+      </p:ext>
+    </p:extLst>
+  </p:cSld>
+  <p:clrMapOvr>
+    <a:masterClrMapping/>
+  </p:clrMapOvr>
+  <p:timing>
+    <p:tnLst>
+      <p:par>
+        <p:cTn id="1" dur="indefinite" restart="never" nodeType="tmRoot"/>
+      </p:par>
+    </p:tnLst>
+  </p:timing>
 </p:sld>
 </file>
 
@@ -3530,215 +4674,331 @@
       </p:grpSpPr>
       <p:sp>
         <p:nvSpPr>
-          <p:cNvPr id="2" name="Title 1"/>
-          <p:cNvSpPr>
-            <a:spLocks noGrp="1"/>
-          </p:cNvSpPr>
-          <p:nvPr>
-            <p:ph type="title"/>
-          </p:nvPr>
-        </p:nvSpPr>
-        <p:spPr/>
-        <p:txBody>
-          <a:bodyPr>
+          <p:cNvPr id="5" name="內容版面配置區 4"/>
+          <p:cNvSpPr>
+            <a:spLocks noGrp="1"/>
+          </p:cNvSpPr>
+          <p:nvPr>
+            <p:ph idx="1"/>
+          </p:nvPr>
+        </p:nvSpPr>
+        <p:spPr>
+          <a:xfrm>
+            <a:off x="0" y="2084853"/>
+            <a:ext cx="12192000" cy="2404863"/>
+          </a:xfrm>
+        </p:spPr>
+        <p:txBody>
+          <a:bodyPr anchor="ctr">
             <a:normAutofit/>
           </a:bodyPr>
           <a:lstStyle/>
           <a:p>
-            <a:r>
-              <a:rPr lang="zh-CN" altLang="en-US" sz="4800" b="1" dirty="0">
-                <a:solidFill>
-                  <a:srgbClr val="002060"/>
-                </a:solidFill>
-                <a:latin typeface="Microsoft JhengHei" panose="020B0604030504040204" pitchFamily="34" charset="-120"/>
+            <a:pPr marL="0" indent="0" algn="ctr">
+              <a:buNone/>
+            </a:pPr>
+            <a:r>
+              <a:rPr lang="zh-CN" altLang="en-US" sz="6400" b="1" dirty="0">
+                <a:solidFill>
+                  <a:srgbClr val="000066"/>
+                </a:solidFill>
                 <a:ea typeface="Microsoft JhengHei" panose="020B0604030504040204" pitchFamily="34" charset="-120"/>
               </a:rPr>
-              <a:t>惟</a:t>
-            </a:r>
-            <a:r>
-              <a:rPr lang="zh-CN" altLang="en-US" sz="4800" b="1" dirty="0" smtClean="0">
-                <a:solidFill>
-                  <a:srgbClr val="002060"/>
-                </a:solidFill>
-                <a:latin typeface="Microsoft JhengHei" panose="020B0604030504040204" pitchFamily="34" charset="-120"/>
-                <a:ea typeface="Microsoft JhengHei" panose="020B0604030504040204" pitchFamily="34" charset="-120"/>
-              </a:rPr>
-              <a:t>獨耶穌</a:t>
-            </a:r>
-            <a:endParaRPr lang="vi-VN" sz="4800" b="1" dirty="0">
+              <a:t>惟獨耶穌是我信息</a:t>
+            </a:r>
+            <a:endParaRPr lang="en-US" altLang="zh-CN" sz="6400" b="1" dirty="0">
               <a:solidFill>
-                <a:srgbClr val="002060"/>
+                <a:srgbClr val="000066"/>
               </a:solidFill>
               <a:ea typeface="Microsoft JhengHei" panose="020B0604030504040204" pitchFamily="34" charset="-120"/>
             </a:endParaRPr>
           </a:p>
-        </p:txBody>
-      </p:sp>
-      <p:sp>
-        <p:nvSpPr>
-          <p:cNvPr id="3" name="Content Placeholder 2"/>
-          <p:cNvSpPr>
-            <a:spLocks noGrp="1"/>
-          </p:cNvSpPr>
-          <p:nvPr>
-            <p:ph idx="1"/>
-          </p:nvPr>
-        </p:nvSpPr>
-        <p:spPr/>
-        <p:txBody>
-          <a:bodyPr>
-            <a:normAutofit/>
-          </a:bodyPr>
-          <a:lstStyle/>
           <a:p>
             <a:pPr marL="0" indent="0" algn="ctr">
               <a:buNone/>
             </a:pPr>
             <a:r>
-              <a:rPr lang="zh-CN" altLang="en-US" sz="5400" b="1" dirty="0">
-                <a:solidFill>
-                  <a:srgbClr val="002060"/>
-                </a:solidFill>
-                <a:latin typeface="Microsoft JhengHei" panose="020B0604030504040204" pitchFamily="34" charset="-120"/>
+              <a:rPr lang="zh-CN" altLang="en-US" sz="6400" b="1" dirty="0">
+                <a:solidFill>
+                  <a:srgbClr val="000066"/>
+                </a:solidFill>
                 <a:ea typeface="Microsoft JhengHei" panose="020B0604030504040204" pitchFamily="34" charset="-120"/>
               </a:rPr>
-              <a:t>惟獨耶</a:t>
-            </a:r>
-            <a:r>
-              <a:rPr lang="zh-CN" altLang="en-US" sz="5400" b="1" dirty="0" smtClean="0">
-                <a:solidFill>
-                  <a:srgbClr val="002060"/>
-                </a:solidFill>
-                <a:latin typeface="Microsoft JhengHei" panose="020B0604030504040204" pitchFamily="34" charset="-120"/>
-                <a:ea typeface="Microsoft JhengHei" panose="020B0604030504040204" pitchFamily="34" charset="-120"/>
-              </a:rPr>
-              <a:t>穌  永遠耶穌</a:t>
-            </a:r>
-            <a:endParaRPr lang="en-US" altLang="zh-CN" sz="5400" b="1" dirty="0" smtClean="0">
+              <a:t>我所講論就是耶穌</a:t>
+            </a:r>
+            <a:endParaRPr lang="en-US" altLang="zh-CN" sz="6400" b="1" dirty="0">
               <a:solidFill>
-                <a:srgbClr val="002060"/>
-              </a:solidFill>
-              <a:latin typeface="Microsoft JhengHei" panose="020B0604030504040204" pitchFamily="34" charset="-120"/>
-              <a:ea typeface="Microsoft JhengHei" panose="020B0604030504040204" pitchFamily="34" charset="-120"/>
-            </a:endParaRPr>
-          </a:p>
-          <a:p>
-            <a:pPr marL="0" indent="0" algn="ctr">
-              <a:buNone/>
-            </a:pPr>
-            <a:r>
-              <a:rPr lang="zh-CN" altLang="en-US" sz="5400" b="1" dirty="0">
-                <a:solidFill>
-                  <a:srgbClr val="002060"/>
-                </a:solidFill>
-                <a:latin typeface="Microsoft JhengHei" panose="020B0604030504040204" pitchFamily="34" charset="-120"/>
-                <a:ea typeface="Microsoft JhengHei" panose="020B0604030504040204" pitchFamily="34" charset="-120"/>
-              </a:rPr>
-              <a:t>我</a:t>
-            </a:r>
-            <a:r>
-              <a:rPr lang="zh-CN" altLang="en-US" sz="5400" b="1" dirty="0" smtClean="0">
-                <a:solidFill>
-                  <a:srgbClr val="002060"/>
-                </a:solidFill>
-                <a:latin typeface="Microsoft JhengHei" panose="020B0604030504040204" pitchFamily="34" charset="-120"/>
-                <a:ea typeface="Microsoft JhengHei" panose="020B0604030504040204" pitchFamily="34" charset="-120"/>
-              </a:rPr>
-              <a:t>心讚美  我</a:t>
-            </a:r>
-            <a:r>
-              <a:rPr lang="zh-CN" altLang="en-US" sz="5400" b="1" dirty="0" smtClean="0">
-                <a:solidFill>
-                  <a:srgbClr val="002060"/>
-                </a:solidFill>
-                <a:latin typeface="Microsoft JhengHei" panose="020B0604030504040204" pitchFamily="34" charset="-120"/>
-                <a:ea typeface="Microsoft JhengHei" panose="020B0604030504040204" pitchFamily="34" charset="-120"/>
-              </a:rPr>
-              <a:t>口傳揚</a:t>
-            </a:r>
-            <a:endParaRPr lang="en-US" altLang="zh-CN" sz="5400" b="1" dirty="0" smtClean="0">
-              <a:solidFill>
-                <a:srgbClr val="002060"/>
-              </a:solidFill>
-              <a:latin typeface="Microsoft JhengHei" panose="020B0604030504040204" pitchFamily="34" charset="-120"/>
-              <a:ea typeface="Microsoft JhengHei" panose="020B0604030504040204" pitchFamily="34" charset="-120"/>
-            </a:endParaRPr>
-          </a:p>
-          <a:p>
-            <a:pPr marL="0" indent="0" algn="ctr">
-              <a:buNone/>
-            </a:pPr>
-            <a:r>
-              <a:rPr lang="zh-CN" altLang="en-US" sz="5400" b="1" dirty="0">
-                <a:solidFill>
-                  <a:srgbClr val="002060"/>
-                </a:solidFill>
-                <a:latin typeface="Microsoft JhengHei" panose="020B0604030504040204" pitchFamily="34" charset="-120"/>
-                <a:ea typeface="Microsoft JhengHei" panose="020B0604030504040204" pitchFamily="34" charset="-120"/>
-              </a:rPr>
-              <a:t>救</a:t>
-            </a:r>
-            <a:r>
-              <a:rPr lang="zh-CN" altLang="en-US" sz="5400" b="1" dirty="0" smtClean="0">
-                <a:solidFill>
-                  <a:srgbClr val="002060"/>
-                </a:solidFill>
-                <a:latin typeface="Microsoft JhengHei" panose="020B0604030504040204" pitchFamily="34" charset="-120"/>
-                <a:ea typeface="Microsoft JhengHei" panose="020B0604030504040204" pitchFamily="34" charset="-120"/>
-              </a:rPr>
-              <a:t>我醫我使我成聖</a:t>
-            </a:r>
-            <a:endParaRPr lang="en-US" altLang="zh-CN" sz="5400" b="1" dirty="0" smtClean="0">
-              <a:solidFill>
-                <a:srgbClr val="002060"/>
-              </a:solidFill>
-              <a:latin typeface="Microsoft JhengHei" panose="020B0604030504040204" pitchFamily="34" charset="-120"/>
-              <a:ea typeface="Microsoft JhengHei" panose="020B0604030504040204" pitchFamily="34" charset="-120"/>
-            </a:endParaRPr>
-          </a:p>
-          <a:p>
-            <a:pPr marL="0" indent="0" algn="ctr">
-              <a:buNone/>
-            </a:pPr>
-            <a:r>
-              <a:rPr lang="zh-CN" altLang="en-US" sz="5400" b="1" dirty="0">
-                <a:solidFill>
-                  <a:srgbClr val="002060"/>
-                </a:solidFill>
-                <a:latin typeface="Microsoft JhengHei" panose="020B0604030504040204" pitchFamily="34" charset="-120"/>
-                <a:ea typeface="Microsoft JhengHei" panose="020B0604030504040204" pitchFamily="34" charset="-120"/>
-              </a:rPr>
-              <a:t>榮</a:t>
-            </a:r>
-            <a:r>
-              <a:rPr lang="zh-CN" altLang="en-US" sz="5400" b="1" dirty="0" smtClean="0">
-                <a:solidFill>
-                  <a:srgbClr val="002060"/>
-                </a:solidFill>
-                <a:latin typeface="Microsoft JhengHei" panose="020B0604030504040204" pitchFamily="34" charset="-120"/>
-                <a:ea typeface="Microsoft JhengHei" panose="020B0604030504040204" pitchFamily="34" charset="-120"/>
-              </a:rPr>
-              <a:t>耀救主再來之王</a:t>
-            </a:r>
-            <a:endParaRPr lang="vi-VN" sz="5400" b="1" dirty="0">
-              <a:solidFill>
-                <a:srgbClr val="002060"/>
+                <a:srgbClr val="000066"/>
               </a:solidFill>
               <a:ea typeface="Microsoft JhengHei" panose="020B0604030504040204" pitchFamily="34" charset="-120"/>
             </a:endParaRPr>
           </a:p>
         </p:txBody>
       </p:sp>
+      <p:sp>
+        <p:nvSpPr>
+          <p:cNvPr id="3" name="TextBox 2"/>
+          <p:cNvSpPr txBox="1"/>
+          <p:nvPr/>
+        </p:nvSpPr>
+        <p:spPr>
+          <a:xfrm>
+            <a:off x="0" y="5157194"/>
+            <a:ext cx="12192000" cy="830997"/>
+          </a:xfrm>
+          <a:prstGeom prst="rect">
+            <a:avLst/>
+          </a:prstGeom>
+          <a:noFill/>
+        </p:spPr>
+        <p:txBody>
+          <a:bodyPr wrap="square" rtlCol="0">
+            <a:spAutoFit/>
+          </a:bodyPr>
+          <a:lstStyle/>
+          <a:p>
+            <a:pPr algn="ctr"/>
+            <a:r>
+              <a:rPr lang="en-US" sz="4800" b="1" dirty="0">
+                <a:solidFill>
+                  <a:srgbClr val="000066"/>
+                </a:solidFill>
+                <a:effectLst/>
+              </a:rPr>
+              <a:t>( 1 )</a:t>
+            </a:r>
+            <a:endParaRPr lang="vi-VN" sz="4800" b="1" dirty="0">
+              <a:solidFill>
+                <a:srgbClr val="000066"/>
+              </a:solidFill>
+              <a:effectLst/>
+            </a:endParaRPr>
+          </a:p>
+        </p:txBody>
+      </p:sp>
     </p:spTree>
     <p:extLst>
       <p:ext uri="{BB962C8B-B14F-4D97-AF65-F5344CB8AC3E}">
-        <p14:creationId xmlns:p14="http://schemas.microsoft.com/office/powerpoint/2010/main" val="2663519033"/>
+        <p14:creationId xmlns:p14="http://schemas.microsoft.com/office/powerpoint/2010/main" val="3418414214"/>
       </p:ext>
     </p:extLst>
   </p:cSld>
   <p:clrMapOvr>
     <a:masterClrMapping/>
   </p:clrMapOvr>
+  <p:timing>
+    <p:tnLst>
+      <p:par>
+        <p:cTn id="1" dur="indefinite" restart="never" nodeType="tmRoot"/>
+      </p:par>
+    </p:tnLst>
+  </p:timing>
+</p:sld>
+</file>
+
+<file path=ppt/slides/slide20.xml><?xml version="1.0" encoding="utf-8"?>
+<p:sld xmlns:a="http://schemas.openxmlformats.org/drawingml/2006/main" xmlns:r="http://schemas.openxmlformats.org/officeDocument/2006/relationships" xmlns:p="http://schemas.openxmlformats.org/presentationml/2006/main">
+  <p:cSld>
+    <p:spTree>
+      <p:nvGrpSpPr>
+        <p:cNvPr id="1" name=""/>
+        <p:cNvGrpSpPr/>
+        <p:nvPr/>
+      </p:nvGrpSpPr>
+      <p:grpSpPr>
+        <a:xfrm>
+          <a:off x="0" y="0"/>
+          <a:ext cx="0" cy="0"/>
+          <a:chOff x="0" y="0"/>
+          <a:chExt cx="0" cy="0"/>
+        </a:xfrm>
+      </p:grpSpPr>
+      <p:sp>
+        <p:nvSpPr>
+          <p:cNvPr id="5" name="內容版面配置區 4"/>
+          <p:cNvSpPr>
+            <a:spLocks noGrp="1"/>
+          </p:cNvSpPr>
+          <p:nvPr>
+            <p:ph idx="1"/>
+          </p:nvPr>
+        </p:nvSpPr>
+        <p:spPr>
+          <a:xfrm>
+            <a:off x="0" y="2084853"/>
+            <a:ext cx="12192000" cy="2404863"/>
+          </a:xfrm>
+        </p:spPr>
+        <p:txBody>
+          <a:bodyPr anchor="ctr">
+            <a:normAutofit/>
+          </a:bodyPr>
+          <a:lstStyle/>
+          <a:p>
+            <a:pPr marL="0" indent="0" algn="ctr">
+              <a:buNone/>
+            </a:pPr>
+            <a:r>
+              <a:rPr lang="zh-CN" altLang="en-US" sz="6400" b="1" dirty="0">
+                <a:solidFill>
+                  <a:srgbClr val="000066"/>
+                </a:solidFill>
+                <a:latin typeface="Microsoft JhengHei" panose="020B0604030504040204" pitchFamily="34" charset="-120"/>
+                <a:ea typeface="Microsoft JhengHei" panose="020B0604030504040204" pitchFamily="34" charset="-120"/>
+              </a:rPr>
+              <a:t>惟獨耶穌  永遠耶穌</a:t>
+            </a:r>
+            <a:endParaRPr lang="en-US" altLang="zh-CN" sz="6400" b="1" dirty="0">
+              <a:solidFill>
+                <a:srgbClr val="000066"/>
+              </a:solidFill>
+              <a:latin typeface="Microsoft JhengHei" panose="020B0604030504040204" pitchFamily="34" charset="-120"/>
+              <a:ea typeface="Microsoft JhengHei" panose="020B0604030504040204" pitchFamily="34" charset="-120"/>
+            </a:endParaRPr>
+          </a:p>
+          <a:p>
+            <a:pPr marL="0" indent="0" algn="ctr">
+              <a:buNone/>
+            </a:pPr>
+            <a:r>
+              <a:rPr lang="zh-CN" altLang="en-US" sz="6400" b="1" dirty="0">
+                <a:solidFill>
+                  <a:srgbClr val="000066"/>
+                </a:solidFill>
+                <a:latin typeface="Microsoft JhengHei" panose="020B0604030504040204" pitchFamily="34" charset="-120"/>
+                <a:ea typeface="Microsoft JhengHei" panose="020B0604030504040204" pitchFamily="34" charset="-120"/>
+              </a:rPr>
+              <a:t>我心讚美  我口傳揚</a:t>
+            </a:r>
+            <a:endParaRPr lang="vi-VN" sz="6400" b="1" dirty="0">
+              <a:solidFill>
+                <a:srgbClr val="000066"/>
+              </a:solidFill>
+              <a:ea typeface="Microsoft JhengHei" panose="020B0604030504040204" pitchFamily="34" charset="-120"/>
+            </a:endParaRPr>
+          </a:p>
+        </p:txBody>
+      </p:sp>
+    </p:spTree>
+    <p:extLst>
+      <p:ext uri="{BB962C8B-B14F-4D97-AF65-F5344CB8AC3E}">
+        <p14:creationId xmlns:p14="http://schemas.microsoft.com/office/powerpoint/2010/main" val="1145207824"/>
+      </p:ext>
+    </p:extLst>
+  </p:cSld>
+  <p:clrMapOvr>
+    <a:masterClrMapping/>
+  </p:clrMapOvr>
+  <p:timing>
+    <p:tnLst>
+      <p:par>
+        <p:cTn id="1" dur="indefinite" restart="never" nodeType="tmRoot"/>
+      </p:par>
+    </p:tnLst>
+  </p:timing>
+</p:sld>
+</file>
+
+<file path=ppt/slides/slide21.xml><?xml version="1.0" encoding="utf-8"?>
+<p:sld xmlns:a="http://schemas.openxmlformats.org/drawingml/2006/main" xmlns:r="http://schemas.openxmlformats.org/officeDocument/2006/relationships" xmlns:p="http://schemas.openxmlformats.org/presentationml/2006/main">
+  <p:cSld>
+    <p:spTree>
+      <p:nvGrpSpPr>
+        <p:cNvPr id="1" name=""/>
+        <p:cNvGrpSpPr/>
+        <p:nvPr/>
+      </p:nvGrpSpPr>
+      <p:grpSpPr>
+        <a:xfrm>
+          <a:off x="0" y="0"/>
+          <a:ext cx="0" cy="0"/>
+          <a:chOff x="0" y="0"/>
+          <a:chExt cx="0" cy="0"/>
+        </a:xfrm>
+      </p:grpSpPr>
+      <p:sp>
+        <p:nvSpPr>
+          <p:cNvPr id="5" name="內容版面配置區 4"/>
+          <p:cNvSpPr>
+            <a:spLocks noGrp="1"/>
+          </p:cNvSpPr>
+          <p:nvPr>
+            <p:ph idx="1"/>
+          </p:nvPr>
+        </p:nvSpPr>
+        <p:spPr>
+          <a:xfrm>
+            <a:off x="0" y="2084853"/>
+            <a:ext cx="12192000" cy="2404863"/>
+          </a:xfrm>
+        </p:spPr>
+        <p:txBody>
+          <a:bodyPr anchor="ctr">
+            <a:normAutofit/>
+          </a:bodyPr>
+          <a:lstStyle/>
+          <a:p>
+            <a:pPr marL="0" indent="0" algn="ctr">
+              <a:buNone/>
+            </a:pPr>
+            <a:r>
+              <a:rPr lang="zh-CN" altLang="en-US" sz="6400" b="1" dirty="0">
+                <a:solidFill>
+                  <a:srgbClr val="000066"/>
+                </a:solidFill>
+                <a:latin typeface="Microsoft JhengHei" panose="020B0604030504040204" pitchFamily="34" charset="-120"/>
+                <a:ea typeface="Microsoft JhengHei" panose="020B0604030504040204" pitchFamily="34" charset="-120"/>
+              </a:rPr>
+              <a:t>救我醫我使我成聖</a:t>
+            </a:r>
+            <a:endParaRPr lang="en-US" altLang="zh-CN" sz="6400" b="1" dirty="0">
+              <a:solidFill>
+                <a:srgbClr val="000066"/>
+              </a:solidFill>
+              <a:latin typeface="Microsoft JhengHei" panose="020B0604030504040204" pitchFamily="34" charset="-120"/>
+              <a:ea typeface="Microsoft JhengHei" panose="020B0604030504040204" pitchFamily="34" charset="-120"/>
+            </a:endParaRPr>
+          </a:p>
+          <a:p>
+            <a:pPr marL="0" indent="0" algn="ctr">
+              <a:buNone/>
+            </a:pPr>
+            <a:r>
+              <a:rPr lang="zh-CN" altLang="en-US" sz="6400" b="1" dirty="0">
+                <a:solidFill>
+                  <a:srgbClr val="000066"/>
+                </a:solidFill>
+                <a:latin typeface="Microsoft JhengHei" panose="020B0604030504040204" pitchFamily="34" charset="-120"/>
+                <a:ea typeface="Microsoft JhengHei" panose="020B0604030504040204" pitchFamily="34" charset="-120"/>
+              </a:rPr>
+              <a:t>榮耀救主再來之王</a:t>
+            </a:r>
+            <a:endParaRPr lang="vi-VN" sz="6400" b="1" dirty="0">
+              <a:solidFill>
+                <a:srgbClr val="000066"/>
+              </a:solidFill>
+              <a:ea typeface="Microsoft JhengHei" panose="020B0604030504040204" pitchFamily="34" charset="-120"/>
+            </a:endParaRPr>
+          </a:p>
+        </p:txBody>
+      </p:sp>
+    </p:spTree>
+    <p:extLst>
+      <p:ext uri="{BB962C8B-B14F-4D97-AF65-F5344CB8AC3E}">
+        <p14:creationId xmlns:p14="http://schemas.microsoft.com/office/powerpoint/2010/main" val="862442250"/>
+      </p:ext>
+    </p:extLst>
+  </p:cSld>
+  <p:clrMapOvr>
+    <a:masterClrMapping/>
+  </p:clrMapOvr>
+  <p:timing>
+    <p:tnLst>
+      <p:par>
+        <p:cTn id="1" dur="indefinite" restart="never" nodeType="tmRoot"/>
+      </p:par>
+    </p:tnLst>
+  </p:timing>
 </p:sld>
 </file>
 
@@ -3761,166 +5021,77 @@
       </p:grpSpPr>
       <p:sp>
         <p:nvSpPr>
-          <p:cNvPr id="2" name="Title 1"/>
-          <p:cNvSpPr>
-            <a:spLocks noGrp="1"/>
-          </p:cNvSpPr>
-          <p:nvPr>
-            <p:ph type="title"/>
-          </p:nvPr>
-        </p:nvSpPr>
-        <p:spPr/>
-        <p:txBody>
-          <a:bodyPr>
+          <p:cNvPr id="5" name="內容版面配置區 4"/>
+          <p:cNvSpPr>
+            <a:spLocks noGrp="1"/>
+          </p:cNvSpPr>
+          <p:nvPr>
+            <p:ph idx="1"/>
+          </p:nvPr>
+        </p:nvSpPr>
+        <p:spPr>
+          <a:xfrm>
+            <a:off x="0" y="2084853"/>
+            <a:ext cx="12192000" cy="2404863"/>
+          </a:xfrm>
+        </p:spPr>
+        <p:txBody>
+          <a:bodyPr anchor="ctr">
             <a:normAutofit/>
           </a:bodyPr>
           <a:lstStyle/>
           <a:p>
-            <a:r>
-              <a:rPr lang="zh-CN" altLang="en-US" sz="4800" b="1" dirty="0">
-                <a:solidFill>
-                  <a:srgbClr val="002060"/>
-                </a:solidFill>
-                <a:latin typeface="Microsoft JhengHei" panose="020B0604030504040204" pitchFamily="34" charset="-120"/>
+            <a:pPr marL="0" indent="0" algn="ctr">
+              <a:buNone/>
+            </a:pPr>
+            <a:r>
+              <a:rPr lang="zh-CN" altLang="en-US" sz="6400" b="1" dirty="0">
+                <a:solidFill>
+                  <a:srgbClr val="000066"/>
+                </a:solidFill>
                 <a:ea typeface="Microsoft JhengHei" panose="020B0604030504040204" pitchFamily="34" charset="-120"/>
               </a:rPr>
-              <a:t>惟獨耶穌</a:t>
-            </a:r>
-            <a:endParaRPr lang="vi-VN" sz="4800" b="1" dirty="0">
+              <a:t>耶穌基督永遠舉起</a:t>
+            </a:r>
+            <a:endParaRPr lang="en-US" altLang="zh-CN" sz="6400" b="1" dirty="0">
               <a:solidFill>
-                <a:srgbClr val="002060"/>
+                <a:srgbClr val="000066"/>
               </a:solidFill>
               <a:ea typeface="Microsoft JhengHei" panose="020B0604030504040204" pitchFamily="34" charset="-120"/>
             </a:endParaRPr>
           </a:p>
-        </p:txBody>
-      </p:sp>
-      <p:sp>
-        <p:nvSpPr>
-          <p:cNvPr id="3" name="Content Placeholder 2"/>
-          <p:cNvSpPr>
-            <a:spLocks noGrp="1"/>
-          </p:cNvSpPr>
-          <p:nvPr>
-            <p:ph idx="1"/>
-          </p:nvPr>
-        </p:nvSpPr>
-        <p:spPr/>
-        <p:txBody>
-          <a:bodyPr>
-            <a:normAutofit/>
-          </a:bodyPr>
-          <a:lstStyle/>
           <a:p>
             <a:pPr marL="0" indent="0" algn="ctr">
               <a:buNone/>
             </a:pPr>
             <a:r>
-              <a:rPr lang="zh-CN" altLang="en-US" sz="5400" b="1" dirty="0" smtClean="0">
-                <a:solidFill>
-                  <a:srgbClr val="002060"/>
+              <a:rPr lang="zh-CN" altLang="en-US" sz="6400" b="1" dirty="0">
+                <a:solidFill>
+                  <a:srgbClr val="000066"/>
                 </a:solidFill>
                 <a:ea typeface="Microsoft JhengHei" panose="020B0604030504040204" pitchFamily="34" charset="-120"/>
               </a:rPr>
-              <a:t>惟獨耶穌是我救主</a:t>
-            </a:r>
-            <a:endParaRPr lang="en-US" altLang="zh-CN" sz="5400" b="1" dirty="0" smtClean="0">
+              <a:t>我所仰望就是耶穌</a:t>
+            </a:r>
+            <a:endParaRPr lang="vi-VN" sz="6400" b="1" dirty="0">
               <a:solidFill>
-                <a:srgbClr val="002060"/>
+                <a:srgbClr val="000066"/>
               </a:solidFill>
               <a:ea typeface="Microsoft JhengHei" panose="020B0604030504040204" pitchFamily="34" charset="-120"/>
             </a:endParaRPr>
           </a:p>
-          <a:p>
-            <a:pPr marL="0" indent="0" algn="ctr">
-              <a:buNone/>
-            </a:pPr>
-            <a:r>
-              <a:rPr lang="zh-CN" altLang="en-US" sz="5400" b="1" dirty="0">
-                <a:solidFill>
-                  <a:srgbClr val="002060"/>
-                </a:solidFill>
-                <a:ea typeface="Microsoft JhengHei" panose="020B0604030504040204" pitchFamily="34" charset="-120"/>
-              </a:rPr>
-              <a:t>一</a:t>
-            </a:r>
-            <a:r>
-              <a:rPr lang="zh-CN" altLang="en-US" sz="5400" b="1" dirty="0" smtClean="0">
-                <a:solidFill>
-                  <a:srgbClr val="002060"/>
-                </a:solidFill>
-                <a:ea typeface="Microsoft JhengHei" panose="020B0604030504040204" pitchFamily="34" charset="-120"/>
-              </a:rPr>
-              <a:t>切罪愆為我擔負</a:t>
-            </a:r>
-            <a:endParaRPr lang="en-US" altLang="zh-CN" sz="5400" b="1" dirty="0" smtClean="0">
-              <a:solidFill>
-                <a:srgbClr val="002060"/>
-              </a:solidFill>
-              <a:ea typeface="Microsoft JhengHei" panose="020B0604030504040204" pitchFamily="34" charset="-120"/>
-            </a:endParaRPr>
-          </a:p>
-          <a:p>
-            <a:pPr marL="0" indent="0" algn="ctr">
-              <a:buNone/>
-            </a:pPr>
-            <a:r>
-              <a:rPr lang="zh-CN" altLang="en-US" sz="5400" b="1" dirty="0" smtClean="0">
-                <a:solidFill>
-                  <a:srgbClr val="002060"/>
-                </a:solidFill>
-                <a:ea typeface="Microsoft JhengHei" panose="020B0604030504040204" pitchFamily="34" charset="-120"/>
-              </a:rPr>
-              <a:t>我得稱義全靠耶穌</a:t>
-            </a:r>
-            <a:endParaRPr lang="en-US" altLang="zh-CN" sz="5400" b="1" dirty="0" smtClean="0">
-              <a:solidFill>
-                <a:srgbClr val="002060"/>
-              </a:solidFill>
-              <a:ea typeface="Microsoft JhengHei" panose="020B0604030504040204" pitchFamily="34" charset="-120"/>
-            </a:endParaRPr>
-          </a:p>
-          <a:p>
-            <a:pPr marL="0" indent="0" algn="ctr">
-              <a:buNone/>
-            </a:pPr>
-            <a:r>
-              <a:rPr lang="zh-CN" altLang="en-US" sz="5400" b="1" dirty="0">
-                <a:solidFill>
-                  <a:srgbClr val="002060"/>
-                </a:solidFill>
-                <a:ea typeface="Microsoft JhengHei" panose="020B0604030504040204" pitchFamily="34" charset="-120"/>
-              </a:rPr>
-              <a:t>賜</a:t>
-            </a:r>
-            <a:r>
-              <a:rPr lang="zh-CN" altLang="en-US" sz="5400" b="1" dirty="0" smtClean="0">
-                <a:solidFill>
-                  <a:srgbClr val="002060"/>
-                </a:solidFill>
-                <a:ea typeface="Microsoft JhengHei" panose="020B0604030504040204" pitchFamily="34" charset="-120"/>
-              </a:rPr>
-              <a:t>我力量日日事主</a:t>
-            </a:r>
-            <a:endParaRPr lang="vi-VN" sz="5400" b="1" dirty="0">
-              <a:solidFill>
-                <a:srgbClr val="002060"/>
-              </a:solidFill>
-              <a:ea typeface="Microsoft JhengHei" panose="020B0604030504040204" pitchFamily="34" charset="-120"/>
-            </a:endParaRPr>
-          </a:p>
-        </p:txBody>
-      </p:sp>
-      <p:sp>
-        <p:nvSpPr>
-          <p:cNvPr id="4" name="TextBox 3"/>
+        </p:txBody>
+      </p:sp>
+      <p:sp>
+        <p:nvSpPr>
+          <p:cNvPr id="3" name="TextBox 2"/>
           <p:cNvSpPr txBox="1"/>
           <p:nvPr/>
         </p:nvSpPr>
         <p:spPr>
           <a:xfrm>
-            <a:off x="948690" y="1714501"/>
-            <a:ext cx="868680" cy="923330"/>
+            <a:off x="0" y="5157194"/>
+            <a:ext cx="12192000" cy="830997"/>
           </a:xfrm>
           <a:prstGeom prst="rect">
             <a:avLst/>
@@ -3933,26 +5104,21 @@
           </a:bodyPr>
           <a:lstStyle/>
           <a:p>
-            <a:r>
-              <a:rPr lang="en-US" sz="5400" b="1" dirty="0">
-                <a:solidFill>
-                  <a:srgbClr val="002060"/>
-                </a:solidFill>
-              </a:rPr>
-              <a:t>2</a:t>
-            </a:r>
-            <a:r>
-              <a:rPr lang="en-US" sz="5400" b="1" dirty="0" smtClean="0">
-                <a:solidFill>
-                  <a:srgbClr val="002060"/>
-                </a:solidFill>
-              </a:rPr>
-              <a:t>.</a:t>
-            </a:r>
-            <a:endParaRPr lang="vi-VN" sz="5400" b="1" dirty="0">
+            <a:pPr algn="ctr"/>
+            <a:r>
+              <a:rPr lang="en-US" sz="4800" b="1" dirty="0">
+                <a:solidFill>
+                  <a:srgbClr val="000066"/>
+                </a:solidFill>
+                <a:effectLst/>
+              </a:rPr>
+              <a:t>( 1 )</a:t>
+            </a:r>
+            <a:endParaRPr lang="vi-VN" sz="4800" b="1" dirty="0">
               <a:solidFill>
-                <a:srgbClr val="002060"/>
+                <a:srgbClr val="000066"/>
               </a:solidFill>
+              <a:effectLst/>
             </a:endParaRPr>
           </a:p>
         </p:txBody>
@@ -3960,13 +5126,20 @@
     </p:spTree>
     <p:extLst>
       <p:ext uri="{BB962C8B-B14F-4D97-AF65-F5344CB8AC3E}">
-        <p14:creationId xmlns:p14="http://schemas.microsoft.com/office/powerpoint/2010/main" val="347012056"/>
+        <p14:creationId xmlns:p14="http://schemas.microsoft.com/office/powerpoint/2010/main" val="3653110312"/>
       </p:ext>
     </p:extLst>
   </p:cSld>
   <p:clrMapOvr>
     <a:masterClrMapping/>
   </p:clrMapOvr>
+  <p:timing>
+    <p:tnLst>
+      <p:par>
+        <p:cTn id="1" dur="indefinite" restart="never" nodeType="tmRoot"/>
+      </p:par>
+    </p:tnLst>
+  </p:timing>
 </p:sld>
 </file>
 
@@ -3989,83 +5162,42 @@
       </p:grpSpPr>
       <p:sp>
         <p:nvSpPr>
-          <p:cNvPr id="2" name="Title 1"/>
-          <p:cNvSpPr>
-            <a:spLocks noGrp="1"/>
-          </p:cNvSpPr>
-          <p:nvPr>
-            <p:ph type="title"/>
-          </p:nvPr>
-        </p:nvSpPr>
-        <p:spPr/>
-        <p:txBody>
-          <a:bodyPr>
+          <p:cNvPr id="5" name="內容版面配置區 4"/>
+          <p:cNvSpPr>
+            <a:spLocks noGrp="1"/>
+          </p:cNvSpPr>
+          <p:nvPr>
+            <p:ph idx="1"/>
+          </p:nvPr>
+        </p:nvSpPr>
+        <p:spPr>
+          <a:xfrm>
+            <a:off x="0" y="2084853"/>
+            <a:ext cx="12192000" cy="2404863"/>
+          </a:xfrm>
+        </p:spPr>
+        <p:txBody>
+          <a:bodyPr anchor="ctr">
             <a:normAutofit/>
           </a:bodyPr>
           <a:lstStyle/>
           <a:p>
-            <a:r>
-              <a:rPr lang="zh-CN" altLang="en-US" sz="4800" b="1" dirty="0">
-                <a:solidFill>
-                  <a:srgbClr val="002060"/>
+            <a:pPr marL="0" indent="0" algn="ctr">
+              <a:buNone/>
+            </a:pPr>
+            <a:r>
+              <a:rPr lang="zh-CN" altLang="en-US" sz="6400" b="1" dirty="0">
+                <a:solidFill>
+                  <a:srgbClr val="000066"/>
                 </a:solidFill>
                 <a:latin typeface="Microsoft JhengHei" panose="020B0604030504040204" pitchFamily="34" charset="-120"/>
                 <a:ea typeface="Microsoft JhengHei" panose="020B0604030504040204" pitchFamily="34" charset="-120"/>
               </a:rPr>
-              <a:t>惟</a:t>
-            </a:r>
-            <a:r>
-              <a:rPr lang="zh-CN" altLang="en-US" sz="4800" b="1" dirty="0" smtClean="0">
-                <a:solidFill>
-                  <a:srgbClr val="002060"/>
-                </a:solidFill>
-                <a:latin typeface="Microsoft JhengHei" panose="020B0604030504040204" pitchFamily="34" charset="-120"/>
-                <a:ea typeface="Microsoft JhengHei" panose="020B0604030504040204" pitchFamily="34" charset="-120"/>
-              </a:rPr>
-              <a:t>獨耶穌</a:t>
-            </a:r>
-            <a:endParaRPr lang="vi-VN" sz="4800" b="1" dirty="0">
+              <a:t>惟獨耶穌  永遠耶穌</a:t>
+            </a:r>
+            <a:endParaRPr lang="en-US" altLang="zh-CN" sz="6400" b="1" dirty="0">
               <a:solidFill>
-                <a:srgbClr val="002060"/>
-              </a:solidFill>
-              <a:ea typeface="Microsoft JhengHei" panose="020B0604030504040204" pitchFamily="34" charset="-120"/>
-            </a:endParaRPr>
-          </a:p>
-        </p:txBody>
-      </p:sp>
-      <p:sp>
-        <p:nvSpPr>
-          <p:cNvPr id="3" name="Content Placeholder 2"/>
-          <p:cNvSpPr>
-            <a:spLocks noGrp="1"/>
-          </p:cNvSpPr>
-          <p:nvPr>
-            <p:ph idx="1"/>
-          </p:nvPr>
-        </p:nvSpPr>
-        <p:spPr/>
-        <p:txBody>
-          <a:bodyPr>
-            <a:normAutofit/>
-          </a:bodyPr>
-          <a:lstStyle/>
-          <a:p>
-            <a:pPr marL="0" indent="0" algn="ctr">
-              <a:buNone/>
-            </a:pPr>
-            <a:r>
-              <a:rPr lang="zh-CN" altLang="en-US" sz="5400" b="1" dirty="0">
-                <a:solidFill>
-                  <a:srgbClr val="002060"/>
-                </a:solidFill>
-                <a:latin typeface="Microsoft JhengHei" panose="020B0604030504040204" pitchFamily="34" charset="-120"/>
-                <a:ea typeface="Microsoft JhengHei" panose="020B0604030504040204" pitchFamily="34" charset="-120"/>
-              </a:rPr>
-              <a:t>惟獨耶穌  永遠耶穌</a:t>
-            </a:r>
-            <a:endParaRPr lang="en-US" altLang="zh-CN" sz="5400" b="1" dirty="0">
-              <a:solidFill>
-                <a:srgbClr val="002060"/>
+                <a:srgbClr val="000066"/>
               </a:solidFill>
               <a:latin typeface="Microsoft JhengHei" panose="020B0604030504040204" pitchFamily="34" charset="-120"/>
               <a:ea typeface="Microsoft JhengHei" panose="020B0604030504040204" pitchFamily="34" charset="-120"/>
@@ -4076,62 +5208,18 @@
               <a:buNone/>
             </a:pPr>
             <a:r>
-              <a:rPr lang="zh-CN" altLang="en-US" sz="5400" b="1" dirty="0">
-                <a:solidFill>
-                  <a:srgbClr val="002060"/>
+              <a:rPr lang="zh-CN" altLang="en-US" sz="6400" b="1" dirty="0">
+                <a:solidFill>
+                  <a:srgbClr val="000066"/>
                 </a:solidFill>
                 <a:latin typeface="Microsoft JhengHei" panose="020B0604030504040204" pitchFamily="34" charset="-120"/>
                 <a:ea typeface="Microsoft JhengHei" panose="020B0604030504040204" pitchFamily="34" charset="-120"/>
               </a:rPr>
               <a:t>我心讚美  我口傳揚</a:t>
             </a:r>
-            <a:endParaRPr lang="en-US" altLang="zh-CN" sz="5400" b="1" dirty="0">
+            <a:endParaRPr lang="vi-VN" sz="6400" b="1" dirty="0">
               <a:solidFill>
-                <a:srgbClr val="002060"/>
-              </a:solidFill>
-              <a:latin typeface="Microsoft JhengHei" panose="020B0604030504040204" pitchFamily="34" charset="-120"/>
-              <a:ea typeface="Microsoft JhengHei" panose="020B0604030504040204" pitchFamily="34" charset="-120"/>
-            </a:endParaRPr>
-          </a:p>
-          <a:p>
-            <a:pPr marL="0" indent="0" algn="ctr">
-              <a:buNone/>
-            </a:pPr>
-            <a:r>
-              <a:rPr lang="zh-CN" altLang="en-US" sz="5400" b="1" dirty="0">
-                <a:solidFill>
-                  <a:srgbClr val="002060"/>
-                </a:solidFill>
-                <a:latin typeface="Microsoft JhengHei" panose="020B0604030504040204" pitchFamily="34" charset="-120"/>
-                <a:ea typeface="Microsoft JhengHei" panose="020B0604030504040204" pitchFamily="34" charset="-120"/>
-              </a:rPr>
-              <a:t>救我醫我使我成聖</a:t>
-            </a:r>
-            <a:endParaRPr lang="en-US" altLang="zh-CN" sz="5400" b="1" dirty="0">
-              <a:solidFill>
-                <a:srgbClr val="002060"/>
-              </a:solidFill>
-              <a:latin typeface="Microsoft JhengHei" panose="020B0604030504040204" pitchFamily="34" charset="-120"/>
-              <a:ea typeface="Microsoft JhengHei" panose="020B0604030504040204" pitchFamily="34" charset="-120"/>
-            </a:endParaRPr>
-          </a:p>
-          <a:p>
-            <a:pPr marL="0" indent="0" algn="ctr">
-              <a:buNone/>
-            </a:pPr>
-            <a:r>
-              <a:rPr lang="zh-CN" altLang="en-US" sz="5400" b="1" dirty="0">
-                <a:solidFill>
-                  <a:srgbClr val="002060"/>
-                </a:solidFill>
-                <a:latin typeface="Microsoft JhengHei" panose="020B0604030504040204" pitchFamily="34" charset="-120"/>
-                <a:ea typeface="Microsoft JhengHei" panose="020B0604030504040204" pitchFamily="34" charset="-120"/>
-              </a:rPr>
-              <a:t>榮耀救主再來之王</a:t>
-            </a:r>
-            <a:endParaRPr lang="vi-VN" sz="5400" b="1" dirty="0">
-              <a:solidFill>
-                <a:srgbClr val="002060"/>
+                <a:srgbClr val="000066"/>
               </a:solidFill>
               <a:ea typeface="Microsoft JhengHei" panose="020B0604030504040204" pitchFamily="34" charset="-120"/>
             </a:endParaRPr>
@@ -4141,13 +5229,20 @@
     </p:spTree>
     <p:extLst>
       <p:ext uri="{BB962C8B-B14F-4D97-AF65-F5344CB8AC3E}">
-        <p14:creationId xmlns:p14="http://schemas.microsoft.com/office/powerpoint/2010/main" val="3245123090"/>
+        <p14:creationId xmlns:p14="http://schemas.microsoft.com/office/powerpoint/2010/main" val="903108083"/>
       </p:ext>
     </p:extLst>
   </p:cSld>
   <p:clrMapOvr>
     <a:masterClrMapping/>
   </p:clrMapOvr>
+  <p:timing>
+    <p:tnLst>
+      <p:par>
+        <p:cTn id="1" dur="indefinite" restart="never" nodeType="tmRoot"/>
+      </p:par>
+    </p:tnLst>
+  </p:timing>
 </p:sld>
 </file>
 
@@ -4170,204 +5265,87 @@
       </p:grpSpPr>
       <p:sp>
         <p:nvSpPr>
-          <p:cNvPr id="2" name="Title 1"/>
-          <p:cNvSpPr>
-            <a:spLocks noGrp="1"/>
-          </p:cNvSpPr>
-          <p:nvPr>
-            <p:ph type="title"/>
-          </p:nvPr>
-        </p:nvSpPr>
-        <p:spPr/>
-        <p:txBody>
-          <a:bodyPr>
+          <p:cNvPr id="5" name="內容版面配置區 4"/>
+          <p:cNvSpPr>
+            <a:spLocks noGrp="1"/>
+          </p:cNvSpPr>
+          <p:nvPr>
+            <p:ph idx="1"/>
+          </p:nvPr>
+        </p:nvSpPr>
+        <p:spPr>
+          <a:xfrm>
+            <a:off x="0" y="2084853"/>
+            <a:ext cx="12192000" cy="2404863"/>
+          </a:xfrm>
+        </p:spPr>
+        <p:txBody>
+          <a:bodyPr anchor="ctr">
             <a:normAutofit/>
           </a:bodyPr>
           <a:lstStyle/>
           <a:p>
-            <a:r>
-              <a:rPr lang="zh-CN" altLang="en-US" sz="4800" b="1" dirty="0">
-                <a:solidFill>
-                  <a:srgbClr val="002060"/>
+            <a:pPr marL="0" indent="0" algn="ctr">
+              <a:buNone/>
+            </a:pPr>
+            <a:r>
+              <a:rPr lang="zh-CN" altLang="en-US" sz="6400" b="1" dirty="0">
+                <a:solidFill>
+                  <a:srgbClr val="000066"/>
                 </a:solidFill>
                 <a:latin typeface="Microsoft JhengHei" panose="020B0604030504040204" pitchFamily="34" charset="-120"/>
                 <a:ea typeface="Microsoft JhengHei" panose="020B0604030504040204" pitchFamily="34" charset="-120"/>
               </a:rPr>
-              <a:t>惟獨耶穌</a:t>
-            </a:r>
-            <a:endParaRPr lang="vi-VN" sz="4800" b="1" dirty="0">
+              <a:t>救我醫我使我成聖</a:t>
+            </a:r>
+            <a:endParaRPr lang="en-US" altLang="zh-CN" sz="6400" b="1" dirty="0">
               <a:solidFill>
-                <a:srgbClr val="002060"/>
+                <a:srgbClr val="000066"/>
+              </a:solidFill>
+              <a:latin typeface="Microsoft JhengHei" panose="020B0604030504040204" pitchFamily="34" charset="-120"/>
+              <a:ea typeface="Microsoft JhengHei" panose="020B0604030504040204" pitchFamily="34" charset="-120"/>
+            </a:endParaRPr>
+          </a:p>
+          <a:p>
+            <a:pPr marL="0" indent="0" algn="ctr">
+              <a:buNone/>
+            </a:pPr>
+            <a:r>
+              <a:rPr lang="zh-CN" altLang="en-US" sz="6400" b="1" dirty="0">
+                <a:solidFill>
+                  <a:srgbClr val="000066"/>
+                </a:solidFill>
+                <a:latin typeface="Microsoft JhengHei" panose="020B0604030504040204" pitchFamily="34" charset="-120"/>
+                <a:ea typeface="Microsoft JhengHei" panose="020B0604030504040204" pitchFamily="34" charset="-120"/>
+              </a:rPr>
+              <a:t>榮耀救主再來之王</a:t>
+            </a:r>
+            <a:endParaRPr lang="vi-VN" sz="6400" b="1" dirty="0">
+              <a:solidFill>
+                <a:srgbClr val="000066"/>
               </a:solidFill>
               <a:ea typeface="Microsoft JhengHei" panose="020B0604030504040204" pitchFamily="34" charset="-120"/>
             </a:endParaRPr>
           </a:p>
         </p:txBody>
       </p:sp>
-      <p:sp>
-        <p:nvSpPr>
-          <p:cNvPr id="3" name="Content Placeholder 2"/>
-          <p:cNvSpPr>
-            <a:spLocks noGrp="1"/>
-          </p:cNvSpPr>
-          <p:nvPr>
-            <p:ph idx="1"/>
-          </p:nvPr>
-        </p:nvSpPr>
-        <p:spPr/>
-        <p:txBody>
-          <a:bodyPr>
-            <a:normAutofit/>
-          </a:bodyPr>
-          <a:lstStyle/>
-          <a:p>
-            <a:pPr marL="0" indent="0" algn="ctr">
-              <a:buNone/>
-            </a:pPr>
-            <a:r>
-              <a:rPr lang="zh-CN" altLang="en-US" sz="5400" b="1" dirty="0" smtClean="0">
-                <a:solidFill>
-                  <a:srgbClr val="002060"/>
-                </a:solidFill>
-                <a:ea typeface="Microsoft JhengHei" panose="020B0604030504040204" pitchFamily="34" charset="-120"/>
-              </a:rPr>
-              <a:t>惟獨耶穌使我成聖</a:t>
-            </a:r>
-            <a:endParaRPr lang="en-US" altLang="zh-CN" sz="5400" b="1" dirty="0" smtClean="0">
-              <a:solidFill>
-                <a:srgbClr val="002060"/>
-              </a:solidFill>
-              <a:ea typeface="Microsoft JhengHei" panose="020B0604030504040204" pitchFamily="34" charset="-120"/>
-            </a:endParaRPr>
-          </a:p>
-          <a:p>
-            <a:pPr marL="0" indent="0" algn="ctr">
-              <a:buNone/>
-            </a:pPr>
-            <a:r>
-              <a:rPr lang="zh-CN" altLang="en-US" sz="5400" b="1" dirty="0">
-                <a:solidFill>
-                  <a:srgbClr val="002060"/>
-                </a:solidFill>
-                <a:ea typeface="Microsoft JhengHei" panose="020B0604030504040204" pitchFamily="34" charset="-120"/>
-              </a:rPr>
-              <a:t>除</a:t>
-            </a:r>
-            <a:r>
-              <a:rPr lang="zh-CN" altLang="en-US" sz="5400" b="1" dirty="0" smtClean="0">
-                <a:solidFill>
-                  <a:srgbClr val="002060"/>
-                </a:solidFill>
-                <a:ea typeface="Microsoft JhengHei" panose="020B0604030504040204" pitchFamily="34" charset="-120"/>
-              </a:rPr>
-              <a:t>我舊人諸罪洗清</a:t>
-            </a:r>
-            <a:endParaRPr lang="en-US" altLang="zh-CN" sz="5400" b="1" dirty="0" smtClean="0">
-              <a:solidFill>
-                <a:srgbClr val="002060"/>
-              </a:solidFill>
-              <a:ea typeface="Microsoft JhengHei" panose="020B0604030504040204" pitchFamily="34" charset="-120"/>
-            </a:endParaRPr>
-          </a:p>
-          <a:p>
-            <a:pPr marL="0" indent="0" algn="ctr">
-              <a:buNone/>
-            </a:pPr>
-            <a:r>
-              <a:rPr lang="zh-CN" altLang="en-US" sz="5400" b="1" dirty="0">
-                <a:solidFill>
-                  <a:srgbClr val="002060"/>
-                </a:solidFill>
-                <a:ea typeface="Microsoft JhengHei" panose="020B0604030504040204" pitchFamily="34" charset="-120"/>
-              </a:rPr>
-              <a:t>真</a:t>
-            </a:r>
-            <a:r>
-              <a:rPr lang="zh-CN" altLang="en-US" sz="5400" b="1" dirty="0" smtClean="0">
-                <a:solidFill>
-                  <a:srgbClr val="002060"/>
-                </a:solidFill>
-                <a:ea typeface="Microsoft JhengHei" panose="020B0604030504040204" pitchFamily="34" charset="-120"/>
-              </a:rPr>
-              <a:t>理聖靈充滿我心</a:t>
-            </a:r>
-            <a:endParaRPr lang="en-US" altLang="zh-CN" sz="5400" b="1" dirty="0" smtClean="0">
-              <a:solidFill>
-                <a:srgbClr val="002060"/>
-              </a:solidFill>
-              <a:ea typeface="Microsoft JhengHei" panose="020B0604030504040204" pitchFamily="34" charset="-120"/>
-            </a:endParaRPr>
-          </a:p>
-          <a:p>
-            <a:pPr marL="0" indent="0" algn="ctr">
-              <a:buNone/>
-            </a:pPr>
-            <a:r>
-              <a:rPr lang="zh-CN" altLang="en-US" sz="5400" b="1" dirty="0" smtClean="0">
-                <a:solidFill>
-                  <a:srgbClr val="002060"/>
-                </a:solidFill>
-                <a:ea typeface="Microsoft JhengHei" panose="020B0604030504040204" pitchFamily="34" charset="-120"/>
-              </a:rPr>
-              <a:t>表彰基督豐富生命</a:t>
-            </a:r>
-            <a:endParaRPr lang="vi-VN" sz="5400" b="1" dirty="0">
-              <a:solidFill>
-                <a:srgbClr val="002060"/>
-              </a:solidFill>
-              <a:ea typeface="Microsoft JhengHei" panose="020B0604030504040204" pitchFamily="34" charset="-120"/>
-            </a:endParaRPr>
-          </a:p>
-        </p:txBody>
-      </p:sp>
-      <p:sp>
-        <p:nvSpPr>
-          <p:cNvPr id="4" name="TextBox 3"/>
-          <p:cNvSpPr txBox="1"/>
-          <p:nvPr/>
-        </p:nvSpPr>
-        <p:spPr>
-          <a:xfrm>
-            <a:off x="948690" y="1714501"/>
-            <a:ext cx="868680" cy="923330"/>
-          </a:xfrm>
-          <a:prstGeom prst="rect">
-            <a:avLst/>
-          </a:prstGeom>
-          <a:noFill/>
-        </p:spPr>
-        <p:txBody>
-          <a:bodyPr wrap="square" rtlCol="0">
-            <a:spAutoFit/>
-          </a:bodyPr>
-          <a:lstStyle/>
-          <a:p>
-            <a:r>
-              <a:rPr lang="en-US" sz="5400" b="1" dirty="0" smtClean="0">
-                <a:solidFill>
-                  <a:srgbClr val="002060"/>
-                </a:solidFill>
-              </a:rPr>
-              <a:t>3.</a:t>
-            </a:r>
-            <a:endParaRPr lang="vi-VN" sz="5400" b="1" dirty="0">
-              <a:solidFill>
-                <a:srgbClr val="002060"/>
-              </a:solidFill>
-            </a:endParaRPr>
-          </a:p>
-        </p:txBody>
-      </p:sp>
     </p:spTree>
     <p:extLst>
       <p:ext uri="{BB962C8B-B14F-4D97-AF65-F5344CB8AC3E}">
-        <p14:creationId xmlns:p14="http://schemas.microsoft.com/office/powerpoint/2010/main" val="4212296357"/>
+        <p14:creationId xmlns:p14="http://schemas.microsoft.com/office/powerpoint/2010/main" val="2994207449"/>
       </p:ext>
     </p:extLst>
   </p:cSld>
   <p:clrMapOvr>
     <a:masterClrMapping/>
   </p:clrMapOvr>
+  <p:timing>
+    <p:tnLst>
+      <p:par>
+        <p:cTn id="1" dur="indefinite" restart="never" nodeType="tmRoot"/>
+      </p:par>
+    </p:tnLst>
+  </p:timing>
 </p:sld>
 </file>
 
@@ -4390,165 +5368,143 @@
       </p:grpSpPr>
       <p:sp>
         <p:nvSpPr>
-          <p:cNvPr id="2" name="Title 1"/>
-          <p:cNvSpPr>
-            <a:spLocks noGrp="1"/>
-          </p:cNvSpPr>
-          <p:nvPr>
-            <p:ph type="title"/>
-          </p:nvPr>
-        </p:nvSpPr>
-        <p:spPr/>
-        <p:txBody>
-          <a:bodyPr>
+          <p:cNvPr id="5" name="內容版面配置區 4"/>
+          <p:cNvSpPr>
+            <a:spLocks noGrp="1"/>
+          </p:cNvSpPr>
+          <p:nvPr>
+            <p:ph idx="1"/>
+          </p:nvPr>
+        </p:nvSpPr>
+        <p:spPr>
+          <a:xfrm>
+            <a:off x="0" y="2084853"/>
+            <a:ext cx="12192000" cy="2404863"/>
+          </a:xfrm>
+        </p:spPr>
+        <p:txBody>
+          <a:bodyPr anchor="ctr">
             <a:normAutofit/>
           </a:bodyPr>
           <a:lstStyle/>
           <a:p>
-            <a:r>
-              <a:rPr lang="zh-CN" altLang="en-US" sz="4800" b="1" dirty="0">
-                <a:solidFill>
-                  <a:srgbClr val="002060"/>
-                </a:solidFill>
-                <a:latin typeface="Microsoft JhengHei" panose="020B0604030504040204" pitchFamily="34" charset="-120"/>
+            <a:pPr marL="0" indent="0" algn="ctr">
+              <a:buNone/>
+            </a:pPr>
+            <a:r>
+              <a:rPr lang="zh-CN" altLang="en-US" sz="6400" b="1" dirty="0">
+                <a:solidFill>
+                  <a:srgbClr val="000066"/>
+                </a:solidFill>
                 <a:ea typeface="Microsoft JhengHei" panose="020B0604030504040204" pitchFamily="34" charset="-120"/>
               </a:rPr>
-              <a:t>惟</a:t>
-            </a:r>
-            <a:r>
-              <a:rPr lang="zh-CN" altLang="en-US" sz="4800" b="1" dirty="0" smtClean="0">
-                <a:solidFill>
-                  <a:srgbClr val="002060"/>
-                </a:solidFill>
-                <a:latin typeface="Microsoft JhengHei" panose="020B0604030504040204" pitchFamily="34" charset="-120"/>
-                <a:ea typeface="Microsoft JhengHei" panose="020B0604030504040204" pitchFamily="34" charset="-120"/>
-              </a:rPr>
-              <a:t>獨耶穌</a:t>
-            </a:r>
-            <a:endParaRPr lang="vi-VN" sz="4800" b="1" dirty="0">
+              <a:t>惟獨耶穌是我救主</a:t>
+            </a:r>
+            <a:endParaRPr lang="en-US" altLang="zh-CN" sz="6400" b="1" dirty="0">
               <a:solidFill>
-                <a:srgbClr val="002060"/>
+                <a:srgbClr val="000066"/>
               </a:solidFill>
               <a:ea typeface="Microsoft JhengHei" panose="020B0604030504040204" pitchFamily="34" charset="-120"/>
             </a:endParaRPr>
           </a:p>
-        </p:txBody>
-      </p:sp>
-      <p:sp>
-        <p:nvSpPr>
-          <p:cNvPr id="3" name="Content Placeholder 2"/>
-          <p:cNvSpPr>
-            <a:spLocks noGrp="1"/>
-          </p:cNvSpPr>
-          <p:nvPr>
-            <p:ph idx="1"/>
-          </p:nvPr>
-        </p:nvSpPr>
-        <p:spPr/>
-        <p:txBody>
-          <a:bodyPr>
-            <a:normAutofit/>
-          </a:bodyPr>
-          <a:lstStyle/>
           <a:p>
             <a:pPr marL="0" indent="0" algn="ctr">
               <a:buNone/>
             </a:pPr>
             <a:r>
-              <a:rPr lang="zh-CN" altLang="en-US" sz="5400" b="1" dirty="0">
-                <a:solidFill>
-                  <a:srgbClr val="002060"/>
-                </a:solidFill>
-                <a:latin typeface="Microsoft JhengHei" panose="020B0604030504040204" pitchFamily="34" charset="-120"/>
+              <a:rPr lang="zh-CN" altLang="en-US" sz="6400" b="1" dirty="0">
+                <a:solidFill>
+                  <a:srgbClr val="000066"/>
+                </a:solidFill>
                 <a:ea typeface="Microsoft JhengHei" panose="020B0604030504040204" pitchFamily="34" charset="-120"/>
               </a:rPr>
-              <a:t>惟獨耶穌  永遠耶穌</a:t>
-            </a:r>
-            <a:endParaRPr lang="en-US" altLang="zh-CN" sz="5400" b="1" dirty="0">
+              <a:t>一切罪愆為我擔負</a:t>
+            </a:r>
+            <a:endParaRPr lang="vi-VN" sz="6400" b="1" dirty="0">
               <a:solidFill>
-                <a:srgbClr val="002060"/>
-              </a:solidFill>
-              <a:latin typeface="Microsoft JhengHei" panose="020B0604030504040204" pitchFamily="34" charset="-120"/>
-              <a:ea typeface="Microsoft JhengHei" panose="020B0604030504040204" pitchFamily="34" charset="-120"/>
-            </a:endParaRPr>
-          </a:p>
-          <a:p>
-            <a:pPr marL="0" indent="0" algn="ctr">
-              <a:buNone/>
-            </a:pPr>
-            <a:r>
-              <a:rPr lang="zh-CN" altLang="en-US" sz="5400" b="1" dirty="0">
-                <a:solidFill>
-                  <a:srgbClr val="002060"/>
-                </a:solidFill>
-                <a:latin typeface="Microsoft JhengHei" panose="020B0604030504040204" pitchFamily="34" charset="-120"/>
-                <a:ea typeface="Microsoft JhengHei" panose="020B0604030504040204" pitchFamily="34" charset="-120"/>
-              </a:rPr>
-              <a:t>我心讚美  我口傳揚</a:t>
-            </a:r>
-            <a:endParaRPr lang="en-US" altLang="zh-CN" sz="5400" b="1" dirty="0">
-              <a:solidFill>
-                <a:srgbClr val="002060"/>
-              </a:solidFill>
-              <a:latin typeface="Microsoft JhengHei" panose="020B0604030504040204" pitchFamily="34" charset="-120"/>
-              <a:ea typeface="Microsoft JhengHei" panose="020B0604030504040204" pitchFamily="34" charset="-120"/>
-            </a:endParaRPr>
-          </a:p>
-          <a:p>
-            <a:pPr marL="0" indent="0" algn="ctr">
-              <a:buNone/>
-            </a:pPr>
-            <a:r>
-              <a:rPr lang="zh-CN" altLang="en-US" sz="5400" b="1" dirty="0">
-                <a:solidFill>
-                  <a:srgbClr val="002060"/>
-                </a:solidFill>
-                <a:latin typeface="Microsoft JhengHei" panose="020B0604030504040204" pitchFamily="34" charset="-120"/>
-                <a:ea typeface="Microsoft JhengHei" panose="020B0604030504040204" pitchFamily="34" charset="-120"/>
-              </a:rPr>
-              <a:t>救我醫我使我成聖</a:t>
-            </a:r>
-            <a:endParaRPr lang="en-US" altLang="zh-CN" sz="5400" b="1" dirty="0">
-              <a:solidFill>
-                <a:srgbClr val="002060"/>
-              </a:solidFill>
-              <a:latin typeface="Microsoft JhengHei" panose="020B0604030504040204" pitchFamily="34" charset="-120"/>
-              <a:ea typeface="Microsoft JhengHei" panose="020B0604030504040204" pitchFamily="34" charset="-120"/>
-            </a:endParaRPr>
-          </a:p>
-          <a:p>
-            <a:pPr marL="0" indent="0" algn="ctr">
-              <a:buNone/>
-            </a:pPr>
-            <a:r>
-              <a:rPr lang="zh-CN" altLang="en-US" sz="5400" b="1" dirty="0">
-                <a:solidFill>
-                  <a:srgbClr val="002060"/>
-                </a:solidFill>
-                <a:latin typeface="Microsoft JhengHei" panose="020B0604030504040204" pitchFamily="34" charset="-120"/>
-                <a:ea typeface="Microsoft JhengHei" panose="020B0604030504040204" pitchFamily="34" charset="-120"/>
-              </a:rPr>
-              <a:t>榮耀救主再來之王</a:t>
-            </a:r>
-            <a:endParaRPr lang="vi-VN" sz="5400" b="1" dirty="0">
-              <a:solidFill>
-                <a:srgbClr val="002060"/>
+                <a:srgbClr val="000066"/>
               </a:solidFill>
               <a:ea typeface="Microsoft JhengHei" panose="020B0604030504040204" pitchFamily="34" charset="-120"/>
             </a:endParaRPr>
           </a:p>
         </p:txBody>
       </p:sp>
+      <p:sp>
+        <p:nvSpPr>
+          <p:cNvPr id="3" name="TextBox 2"/>
+          <p:cNvSpPr txBox="1"/>
+          <p:nvPr/>
+        </p:nvSpPr>
+        <p:spPr>
+          <a:xfrm>
+            <a:off x="0" y="5157194"/>
+            <a:ext cx="12192000" cy="830997"/>
+          </a:xfrm>
+          <a:prstGeom prst="rect">
+            <a:avLst/>
+          </a:prstGeom>
+          <a:noFill/>
+        </p:spPr>
+        <p:txBody>
+          <a:bodyPr wrap="square" rtlCol="0">
+            <a:spAutoFit/>
+          </a:bodyPr>
+          <a:lstStyle/>
+          <a:p>
+            <a:pPr algn="ctr"/>
+            <a:r>
+              <a:rPr lang="en-US" sz="4800" b="1" dirty="0">
+                <a:solidFill>
+                  <a:srgbClr val="000066"/>
+                </a:solidFill>
+                <a:effectLst/>
+              </a:rPr>
+              <a:t>( </a:t>
+            </a:r>
+            <a:r>
+              <a:rPr lang="en-US" sz="4800" b="1" dirty="0">
+                <a:solidFill>
+                  <a:srgbClr val="000066"/>
+                </a:solidFill>
+                <a:effectLst/>
+              </a:rPr>
+              <a:t>2 </a:t>
+            </a:r>
+            <a:r>
+              <a:rPr lang="en-US" sz="4800" b="1" dirty="0">
+                <a:solidFill>
+                  <a:srgbClr val="000066"/>
+                </a:solidFill>
+                <a:effectLst/>
+              </a:rPr>
+              <a:t>)</a:t>
+            </a:r>
+            <a:endParaRPr lang="vi-VN" sz="4800" b="1" dirty="0">
+              <a:solidFill>
+                <a:srgbClr val="000066"/>
+              </a:solidFill>
+              <a:effectLst/>
+            </a:endParaRPr>
+          </a:p>
+        </p:txBody>
+      </p:sp>
     </p:spTree>
     <p:extLst>
       <p:ext uri="{BB962C8B-B14F-4D97-AF65-F5344CB8AC3E}">
-        <p14:creationId xmlns:p14="http://schemas.microsoft.com/office/powerpoint/2010/main" val="3464680315"/>
+        <p14:creationId xmlns:p14="http://schemas.microsoft.com/office/powerpoint/2010/main" val="4236547672"/>
       </p:ext>
     </p:extLst>
   </p:cSld>
   <p:clrMapOvr>
     <a:masterClrMapping/>
   </p:clrMapOvr>
+  <p:timing>
+    <p:tnLst>
+      <p:par>
+        <p:cTn id="1" dur="indefinite" restart="never" nodeType="tmRoot"/>
+      </p:par>
+    </p:tnLst>
+  </p:timing>
 </p:sld>
 </file>
 
@@ -4571,166 +5527,77 @@
       </p:grpSpPr>
       <p:sp>
         <p:nvSpPr>
-          <p:cNvPr id="2" name="Title 1"/>
-          <p:cNvSpPr>
-            <a:spLocks noGrp="1"/>
-          </p:cNvSpPr>
-          <p:nvPr>
-            <p:ph type="title"/>
-          </p:nvPr>
-        </p:nvSpPr>
-        <p:spPr/>
-        <p:txBody>
-          <a:bodyPr>
+          <p:cNvPr id="5" name="內容版面配置區 4"/>
+          <p:cNvSpPr>
+            <a:spLocks noGrp="1"/>
+          </p:cNvSpPr>
+          <p:nvPr>
+            <p:ph idx="1"/>
+          </p:nvPr>
+        </p:nvSpPr>
+        <p:spPr>
+          <a:xfrm>
+            <a:off x="0" y="2084853"/>
+            <a:ext cx="12192000" cy="2404863"/>
+          </a:xfrm>
+        </p:spPr>
+        <p:txBody>
+          <a:bodyPr anchor="ctr">
             <a:normAutofit/>
           </a:bodyPr>
           <a:lstStyle/>
           <a:p>
-            <a:r>
-              <a:rPr lang="zh-CN" altLang="en-US" sz="4800" b="1" dirty="0">
-                <a:solidFill>
-                  <a:srgbClr val="002060"/>
-                </a:solidFill>
-                <a:latin typeface="Microsoft JhengHei" panose="020B0604030504040204" pitchFamily="34" charset="-120"/>
+            <a:pPr marL="0" indent="0" algn="ctr">
+              <a:buNone/>
+            </a:pPr>
+            <a:r>
+              <a:rPr lang="zh-CN" altLang="en-US" sz="6400" b="1" dirty="0">
+                <a:solidFill>
+                  <a:srgbClr val="000066"/>
+                </a:solidFill>
                 <a:ea typeface="Microsoft JhengHei" panose="020B0604030504040204" pitchFamily="34" charset="-120"/>
               </a:rPr>
-              <a:t>惟獨耶穌</a:t>
-            </a:r>
-            <a:endParaRPr lang="vi-VN" sz="4800" b="1" dirty="0">
+              <a:t>我得稱義全靠耶穌</a:t>
+            </a:r>
+            <a:endParaRPr lang="en-US" altLang="zh-CN" sz="6400" b="1" dirty="0">
               <a:solidFill>
-                <a:srgbClr val="002060"/>
+                <a:srgbClr val="000066"/>
               </a:solidFill>
               <a:ea typeface="Microsoft JhengHei" panose="020B0604030504040204" pitchFamily="34" charset="-120"/>
             </a:endParaRPr>
           </a:p>
-        </p:txBody>
-      </p:sp>
-      <p:sp>
-        <p:nvSpPr>
-          <p:cNvPr id="3" name="Content Placeholder 2"/>
-          <p:cNvSpPr>
-            <a:spLocks noGrp="1"/>
-          </p:cNvSpPr>
-          <p:nvPr>
-            <p:ph idx="1"/>
-          </p:nvPr>
-        </p:nvSpPr>
-        <p:spPr/>
-        <p:txBody>
-          <a:bodyPr>
-            <a:normAutofit/>
-          </a:bodyPr>
-          <a:lstStyle/>
           <a:p>
             <a:pPr marL="0" indent="0" algn="ctr">
               <a:buNone/>
             </a:pPr>
             <a:r>
-              <a:rPr lang="zh-CN" altLang="en-US" sz="5400" b="1" dirty="0" smtClean="0">
-                <a:solidFill>
-                  <a:srgbClr val="002060"/>
+              <a:rPr lang="zh-CN" altLang="en-US" sz="6400" b="1" dirty="0">
+                <a:solidFill>
+                  <a:srgbClr val="000066"/>
                 </a:solidFill>
                 <a:ea typeface="Microsoft JhengHei" panose="020B0604030504040204" pitchFamily="34" charset="-120"/>
               </a:rPr>
-              <a:t>惟獨耶穌醫我疾病</a:t>
-            </a:r>
-            <a:endParaRPr lang="en-US" altLang="zh-CN" sz="5400" b="1" dirty="0" smtClean="0">
+              <a:t>賜我力量日日事主</a:t>
+            </a:r>
+            <a:endParaRPr lang="vi-VN" sz="6400" b="1" dirty="0">
               <a:solidFill>
-                <a:srgbClr val="002060"/>
+                <a:srgbClr val="000066"/>
               </a:solidFill>
               <a:ea typeface="Microsoft JhengHei" panose="020B0604030504040204" pitchFamily="34" charset="-120"/>
             </a:endParaRPr>
           </a:p>
-          <a:p>
-            <a:pPr marL="0" indent="0" algn="ctr">
-              <a:buNone/>
-            </a:pPr>
-            <a:r>
-              <a:rPr lang="zh-CN" altLang="en-US" sz="5400" b="1" dirty="0">
-                <a:solidFill>
-                  <a:srgbClr val="002060"/>
-                </a:solidFill>
-                <a:ea typeface="Microsoft JhengHei" panose="020B0604030504040204" pitchFamily="34" charset="-120"/>
-              </a:rPr>
-              <a:t>全</a:t>
-            </a:r>
-            <a:r>
-              <a:rPr lang="zh-CN" altLang="en-US" sz="5400" b="1" dirty="0" smtClean="0">
-                <a:solidFill>
-                  <a:srgbClr val="002060"/>
-                </a:solidFill>
-                <a:ea typeface="Microsoft JhengHei" panose="020B0604030504040204" pitchFamily="34" charset="-120"/>
-              </a:rPr>
-              <a:t>能耶穌救我到底</a:t>
-            </a:r>
-            <a:endParaRPr lang="en-US" altLang="zh-CN" sz="5400" b="1" dirty="0" smtClean="0">
-              <a:solidFill>
-                <a:srgbClr val="002060"/>
-              </a:solidFill>
-              <a:ea typeface="Microsoft JhengHei" panose="020B0604030504040204" pitchFamily="34" charset="-120"/>
-            </a:endParaRPr>
-          </a:p>
-          <a:p>
-            <a:pPr marL="0" indent="0" algn="ctr">
-              <a:buNone/>
-            </a:pPr>
-            <a:r>
-              <a:rPr lang="zh-CN" altLang="en-US" sz="5400" b="1" dirty="0">
-                <a:solidFill>
-                  <a:srgbClr val="002060"/>
-                </a:solidFill>
-                <a:ea typeface="Microsoft JhengHei" panose="020B0604030504040204" pitchFamily="34" charset="-120"/>
-              </a:rPr>
-              <a:t>復</a:t>
-            </a:r>
-            <a:r>
-              <a:rPr lang="zh-CN" altLang="en-US" sz="5400" b="1" dirty="0" smtClean="0">
-                <a:solidFill>
-                  <a:srgbClr val="002060"/>
-                </a:solidFill>
-                <a:ea typeface="Microsoft JhengHei" panose="020B0604030504040204" pitchFamily="34" charset="-120"/>
-              </a:rPr>
-              <a:t>活救主為我生命</a:t>
-            </a:r>
-            <a:endParaRPr lang="en-US" altLang="zh-CN" sz="5400" b="1" dirty="0" smtClean="0">
-              <a:solidFill>
-                <a:srgbClr val="002060"/>
-              </a:solidFill>
-              <a:ea typeface="Microsoft JhengHei" panose="020B0604030504040204" pitchFamily="34" charset="-120"/>
-            </a:endParaRPr>
-          </a:p>
-          <a:p>
-            <a:pPr marL="0" indent="0" algn="ctr">
-              <a:buNone/>
-            </a:pPr>
-            <a:r>
-              <a:rPr lang="zh-CN" altLang="en-US" sz="5400" b="1" dirty="0" smtClean="0">
-                <a:solidFill>
-                  <a:srgbClr val="002060"/>
-                </a:solidFill>
-                <a:ea typeface="Microsoft JhengHei" panose="020B0604030504040204" pitchFamily="34" charset="-120"/>
-              </a:rPr>
-              <a:t>我屬耶穌是主肢體</a:t>
-            </a:r>
-            <a:endParaRPr lang="vi-VN" sz="5400" b="1" dirty="0">
-              <a:solidFill>
-                <a:srgbClr val="002060"/>
-              </a:solidFill>
-              <a:ea typeface="Microsoft JhengHei" panose="020B0604030504040204" pitchFamily="34" charset="-120"/>
-            </a:endParaRPr>
-          </a:p>
-        </p:txBody>
-      </p:sp>
-      <p:sp>
-        <p:nvSpPr>
-          <p:cNvPr id="4" name="TextBox 3"/>
+        </p:txBody>
+      </p:sp>
+      <p:sp>
+        <p:nvSpPr>
+          <p:cNvPr id="3" name="TextBox 2"/>
           <p:cNvSpPr txBox="1"/>
           <p:nvPr/>
         </p:nvSpPr>
         <p:spPr>
           <a:xfrm>
-            <a:off x="948690" y="1714501"/>
-            <a:ext cx="868680" cy="923330"/>
+            <a:off x="0" y="5157194"/>
+            <a:ext cx="12192000" cy="830997"/>
           </a:xfrm>
           <a:prstGeom prst="rect">
             <a:avLst/>
@@ -4743,26 +5610,39 @@
           </a:bodyPr>
           <a:lstStyle/>
           <a:p>
-            <a:r>
-              <a:rPr lang="en-US" sz="5400" b="1" dirty="0">
-                <a:solidFill>
-                  <a:srgbClr val="002060"/>
-                </a:solidFill>
-              </a:rPr>
-              <a:t>4</a:t>
-            </a:r>
-            <a:r>
-              <a:rPr lang="en-US" sz="5400" b="1" dirty="0" smtClean="0">
-                <a:solidFill>
-                  <a:srgbClr val="002060"/>
-                </a:solidFill>
-              </a:rPr>
-              <a:t>.</a:t>
-            </a:r>
-            <a:endParaRPr lang="vi-VN" sz="5400" b="1" dirty="0">
+            <a:pPr algn="ctr"/>
+            <a:r>
+              <a:rPr lang="en-US" sz="4800" b="1" dirty="0">
+                <a:solidFill>
+                  <a:srgbClr val="000066"/>
+                </a:solidFill>
+                <a:effectLst/>
+              </a:rPr>
+              <a:t>( </a:t>
+            </a:r>
+            <a:r>
+              <a:rPr lang="en-US" sz="4800" b="1" dirty="0">
+                <a:solidFill>
+                  <a:srgbClr val="000066"/>
+                </a:solidFill>
+                <a:effectLst/>
+              </a:rPr>
+              <a:t>2 </a:t>
+            </a:r>
+            <a:r>
+              <a:rPr lang="en-US" sz="4800" b="1" dirty="0">
+                <a:solidFill>
+                  <a:srgbClr val="000066"/>
+                </a:solidFill>
+                <a:effectLst/>
+              </a:rPr>
+              <a:t>)</a:t>
+            </a:r>
+            <a:endParaRPr lang="vi-VN" sz="4800" b="1" dirty="0">
               <a:solidFill>
-                <a:srgbClr val="002060"/>
+                <a:srgbClr val="000066"/>
               </a:solidFill>
+              <a:effectLst/>
             </a:endParaRPr>
           </a:p>
         </p:txBody>
@@ -4770,13 +5650,20 @@
     </p:spTree>
     <p:extLst>
       <p:ext uri="{BB962C8B-B14F-4D97-AF65-F5344CB8AC3E}">
-        <p14:creationId xmlns:p14="http://schemas.microsoft.com/office/powerpoint/2010/main" val="2806132173"/>
+        <p14:creationId xmlns:p14="http://schemas.microsoft.com/office/powerpoint/2010/main" val="287705253"/>
       </p:ext>
     </p:extLst>
   </p:cSld>
   <p:clrMapOvr>
     <a:masterClrMapping/>
   </p:clrMapOvr>
+  <p:timing>
+    <p:tnLst>
+      <p:par>
+        <p:cTn id="1" dur="indefinite" restart="never" nodeType="tmRoot"/>
+      </p:par>
+    </p:tnLst>
+  </p:timing>
 </p:sld>
 </file>
 
@@ -4799,83 +5686,42 @@
       </p:grpSpPr>
       <p:sp>
         <p:nvSpPr>
-          <p:cNvPr id="2" name="Title 1"/>
-          <p:cNvSpPr>
-            <a:spLocks noGrp="1"/>
-          </p:cNvSpPr>
-          <p:nvPr>
-            <p:ph type="title"/>
-          </p:nvPr>
-        </p:nvSpPr>
-        <p:spPr/>
-        <p:txBody>
-          <a:bodyPr>
+          <p:cNvPr id="5" name="內容版面配置區 4"/>
+          <p:cNvSpPr>
+            <a:spLocks noGrp="1"/>
+          </p:cNvSpPr>
+          <p:nvPr>
+            <p:ph idx="1"/>
+          </p:nvPr>
+        </p:nvSpPr>
+        <p:spPr>
+          <a:xfrm>
+            <a:off x="0" y="2084853"/>
+            <a:ext cx="12192000" cy="2404863"/>
+          </a:xfrm>
+        </p:spPr>
+        <p:txBody>
+          <a:bodyPr anchor="ctr">
             <a:normAutofit/>
           </a:bodyPr>
           <a:lstStyle/>
           <a:p>
-            <a:r>
-              <a:rPr lang="zh-CN" altLang="en-US" sz="4800" b="1" dirty="0">
-                <a:solidFill>
-                  <a:srgbClr val="002060"/>
+            <a:pPr marL="0" indent="0" algn="ctr">
+              <a:buNone/>
+            </a:pPr>
+            <a:r>
+              <a:rPr lang="zh-CN" altLang="en-US" sz="6400" b="1" dirty="0">
+                <a:solidFill>
+                  <a:srgbClr val="000066"/>
                 </a:solidFill>
                 <a:latin typeface="Microsoft JhengHei" panose="020B0604030504040204" pitchFamily="34" charset="-120"/>
                 <a:ea typeface="Microsoft JhengHei" panose="020B0604030504040204" pitchFamily="34" charset="-120"/>
               </a:rPr>
-              <a:t>惟</a:t>
-            </a:r>
-            <a:r>
-              <a:rPr lang="zh-CN" altLang="en-US" sz="4800" b="1" dirty="0" smtClean="0">
-                <a:solidFill>
-                  <a:srgbClr val="002060"/>
-                </a:solidFill>
-                <a:latin typeface="Microsoft JhengHei" panose="020B0604030504040204" pitchFamily="34" charset="-120"/>
-                <a:ea typeface="Microsoft JhengHei" panose="020B0604030504040204" pitchFamily="34" charset="-120"/>
-              </a:rPr>
-              <a:t>獨耶穌</a:t>
-            </a:r>
-            <a:endParaRPr lang="vi-VN" sz="4800" b="1" dirty="0">
+              <a:t>惟獨耶穌  永遠耶穌</a:t>
+            </a:r>
+            <a:endParaRPr lang="en-US" altLang="zh-CN" sz="6400" b="1" dirty="0">
               <a:solidFill>
-                <a:srgbClr val="002060"/>
-              </a:solidFill>
-              <a:ea typeface="Microsoft JhengHei" panose="020B0604030504040204" pitchFamily="34" charset="-120"/>
-            </a:endParaRPr>
-          </a:p>
-        </p:txBody>
-      </p:sp>
-      <p:sp>
-        <p:nvSpPr>
-          <p:cNvPr id="3" name="Content Placeholder 2"/>
-          <p:cNvSpPr>
-            <a:spLocks noGrp="1"/>
-          </p:cNvSpPr>
-          <p:nvPr>
-            <p:ph idx="1"/>
-          </p:nvPr>
-        </p:nvSpPr>
-        <p:spPr/>
-        <p:txBody>
-          <a:bodyPr>
-            <a:normAutofit/>
-          </a:bodyPr>
-          <a:lstStyle/>
-          <a:p>
-            <a:pPr marL="0" indent="0" algn="ctr">
-              <a:buNone/>
-            </a:pPr>
-            <a:r>
-              <a:rPr lang="zh-CN" altLang="en-US" sz="5400" b="1" dirty="0">
-                <a:solidFill>
-                  <a:srgbClr val="002060"/>
-                </a:solidFill>
-                <a:latin typeface="Microsoft JhengHei" panose="020B0604030504040204" pitchFamily="34" charset="-120"/>
-                <a:ea typeface="Microsoft JhengHei" panose="020B0604030504040204" pitchFamily="34" charset="-120"/>
-              </a:rPr>
-              <a:t>惟獨耶穌  永遠耶穌</a:t>
-            </a:r>
-            <a:endParaRPr lang="en-US" altLang="zh-CN" sz="5400" b="1" dirty="0">
-              <a:solidFill>
-                <a:srgbClr val="002060"/>
+                <a:srgbClr val="000066"/>
               </a:solidFill>
               <a:latin typeface="Microsoft JhengHei" panose="020B0604030504040204" pitchFamily="34" charset="-120"/>
               <a:ea typeface="Microsoft JhengHei" panose="020B0604030504040204" pitchFamily="34" charset="-120"/>
@@ -4886,62 +5732,18 @@
               <a:buNone/>
             </a:pPr>
             <a:r>
-              <a:rPr lang="zh-CN" altLang="en-US" sz="5400" b="1" dirty="0">
-                <a:solidFill>
-                  <a:srgbClr val="002060"/>
+              <a:rPr lang="zh-CN" altLang="en-US" sz="6400" b="1" dirty="0">
+                <a:solidFill>
+                  <a:srgbClr val="000066"/>
                 </a:solidFill>
                 <a:latin typeface="Microsoft JhengHei" panose="020B0604030504040204" pitchFamily="34" charset="-120"/>
                 <a:ea typeface="Microsoft JhengHei" panose="020B0604030504040204" pitchFamily="34" charset="-120"/>
               </a:rPr>
               <a:t>我心讚美  我口傳揚</a:t>
             </a:r>
-            <a:endParaRPr lang="en-US" altLang="zh-CN" sz="5400" b="1" dirty="0">
+            <a:endParaRPr lang="vi-VN" sz="6400" b="1" dirty="0">
               <a:solidFill>
-                <a:srgbClr val="002060"/>
-              </a:solidFill>
-              <a:latin typeface="Microsoft JhengHei" panose="020B0604030504040204" pitchFamily="34" charset="-120"/>
-              <a:ea typeface="Microsoft JhengHei" panose="020B0604030504040204" pitchFamily="34" charset="-120"/>
-            </a:endParaRPr>
-          </a:p>
-          <a:p>
-            <a:pPr marL="0" indent="0" algn="ctr">
-              <a:buNone/>
-            </a:pPr>
-            <a:r>
-              <a:rPr lang="zh-CN" altLang="en-US" sz="5400" b="1" dirty="0">
-                <a:solidFill>
-                  <a:srgbClr val="002060"/>
-                </a:solidFill>
-                <a:latin typeface="Microsoft JhengHei" panose="020B0604030504040204" pitchFamily="34" charset="-120"/>
-                <a:ea typeface="Microsoft JhengHei" panose="020B0604030504040204" pitchFamily="34" charset="-120"/>
-              </a:rPr>
-              <a:t>救我醫我使我成聖</a:t>
-            </a:r>
-            <a:endParaRPr lang="en-US" altLang="zh-CN" sz="5400" b="1" dirty="0">
-              <a:solidFill>
-                <a:srgbClr val="002060"/>
-              </a:solidFill>
-              <a:latin typeface="Microsoft JhengHei" panose="020B0604030504040204" pitchFamily="34" charset="-120"/>
-              <a:ea typeface="Microsoft JhengHei" panose="020B0604030504040204" pitchFamily="34" charset="-120"/>
-            </a:endParaRPr>
-          </a:p>
-          <a:p>
-            <a:pPr marL="0" indent="0" algn="ctr">
-              <a:buNone/>
-            </a:pPr>
-            <a:r>
-              <a:rPr lang="zh-CN" altLang="en-US" sz="5400" b="1" dirty="0">
-                <a:solidFill>
-                  <a:srgbClr val="002060"/>
-                </a:solidFill>
-                <a:latin typeface="Microsoft JhengHei" panose="020B0604030504040204" pitchFamily="34" charset="-120"/>
-                <a:ea typeface="Microsoft JhengHei" panose="020B0604030504040204" pitchFamily="34" charset="-120"/>
-              </a:rPr>
-              <a:t>榮耀救主再來之王</a:t>
-            </a:r>
-            <a:endParaRPr lang="vi-VN" sz="5400" b="1" dirty="0">
-              <a:solidFill>
-                <a:srgbClr val="002060"/>
+                <a:srgbClr val="000066"/>
               </a:solidFill>
               <a:ea typeface="Microsoft JhengHei" panose="020B0604030504040204" pitchFamily="34" charset="-120"/>
             </a:endParaRPr>
@@ -4951,13 +5753,20 @@
     </p:spTree>
     <p:extLst>
       <p:ext uri="{BB962C8B-B14F-4D97-AF65-F5344CB8AC3E}">
-        <p14:creationId xmlns:p14="http://schemas.microsoft.com/office/powerpoint/2010/main" val="3754446765"/>
+        <p14:creationId xmlns:p14="http://schemas.microsoft.com/office/powerpoint/2010/main" val="4185093184"/>
       </p:ext>
     </p:extLst>
   </p:cSld>
   <p:clrMapOvr>
     <a:masterClrMapping/>
   </p:clrMapOvr>
+  <p:timing>
+    <p:tnLst>
+      <p:par>
+        <p:cTn id="1" dur="indefinite" restart="never" nodeType="tmRoot"/>
+      </p:par>
+    </p:tnLst>
+  </p:timing>
 </p:sld>
 </file>
 
@@ -4980,204 +5789,87 @@
       </p:grpSpPr>
       <p:sp>
         <p:nvSpPr>
-          <p:cNvPr id="2" name="Title 1"/>
-          <p:cNvSpPr>
-            <a:spLocks noGrp="1"/>
-          </p:cNvSpPr>
-          <p:nvPr>
-            <p:ph type="title"/>
-          </p:nvPr>
-        </p:nvSpPr>
-        <p:spPr/>
-        <p:txBody>
-          <a:bodyPr>
+          <p:cNvPr id="5" name="內容版面配置區 4"/>
+          <p:cNvSpPr>
+            <a:spLocks noGrp="1"/>
+          </p:cNvSpPr>
+          <p:nvPr>
+            <p:ph idx="1"/>
+          </p:nvPr>
+        </p:nvSpPr>
+        <p:spPr>
+          <a:xfrm>
+            <a:off x="0" y="2084853"/>
+            <a:ext cx="12192000" cy="2404863"/>
+          </a:xfrm>
+        </p:spPr>
+        <p:txBody>
+          <a:bodyPr anchor="ctr">
             <a:normAutofit/>
           </a:bodyPr>
           <a:lstStyle/>
           <a:p>
-            <a:r>
-              <a:rPr lang="zh-CN" altLang="en-US" sz="4800" b="1" dirty="0">
-                <a:solidFill>
-                  <a:srgbClr val="002060"/>
+            <a:pPr marL="0" indent="0" algn="ctr">
+              <a:buNone/>
+            </a:pPr>
+            <a:r>
+              <a:rPr lang="zh-CN" altLang="en-US" sz="6400" b="1" dirty="0">
+                <a:solidFill>
+                  <a:srgbClr val="000066"/>
                 </a:solidFill>
                 <a:latin typeface="Microsoft JhengHei" panose="020B0604030504040204" pitchFamily="34" charset="-120"/>
                 <a:ea typeface="Microsoft JhengHei" panose="020B0604030504040204" pitchFamily="34" charset="-120"/>
               </a:rPr>
-              <a:t>惟獨耶穌</a:t>
-            </a:r>
-            <a:endParaRPr lang="vi-VN" sz="4800" b="1" dirty="0">
+              <a:t>救我醫我使我成聖</a:t>
+            </a:r>
+            <a:endParaRPr lang="en-US" altLang="zh-CN" sz="6400" b="1" dirty="0">
               <a:solidFill>
-                <a:srgbClr val="002060"/>
+                <a:srgbClr val="000066"/>
+              </a:solidFill>
+              <a:latin typeface="Microsoft JhengHei" panose="020B0604030504040204" pitchFamily="34" charset="-120"/>
+              <a:ea typeface="Microsoft JhengHei" panose="020B0604030504040204" pitchFamily="34" charset="-120"/>
+            </a:endParaRPr>
+          </a:p>
+          <a:p>
+            <a:pPr marL="0" indent="0" algn="ctr">
+              <a:buNone/>
+            </a:pPr>
+            <a:r>
+              <a:rPr lang="zh-CN" altLang="en-US" sz="6400" b="1" dirty="0">
+                <a:solidFill>
+                  <a:srgbClr val="000066"/>
+                </a:solidFill>
+                <a:latin typeface="Microsoft JhengHei" panose="020B0604030504040204" pitchFamily="34" charset="-120"/>
+                <a:ea typeface="Microsoft JhengHei" panose="020B0604030504040204" pitchFamily="34" charset="-120"/>
+              </a:rPr>
+              <a:t>榮耀救主再來之王</a:t>
+            </a:r>
+            <a:endParaRPr lang="vi-VN" sz="6400" b="1" dirty="0">
+              <a:solidFill>
+                <a:srgbClr val="000066"/>
               </a:solidFill>
               <a:ea typeface="Microsoft JhengHei" panose="020B0604030504040204" pitchFamily="34" charset="-120"/>
             </a:endParaRPr>
           </a:p>
         </p:txBody>
       </p:sp>
-      <p:sp>
-        <p:nvSpPr>
-          <p:cNvPr id="3" name="Content Placeholder 2"/>
-          <p:cNvSpPr>
-            <a:spLocks noGrp="1"/>
-          </p:cNvSpPr>
-          <p:nvPr>
-            <p:ph idx="1"/>
-          </p:nvPr>
-        </p:nvSpPr>
-        <p:spPr/>
-        <p:txBody>
-          <a:bodyPr>
-            <a:normAutofit/>
-          </a:bodyPr>
-          <a:lstStyle/>
-          <a:p>
-            <a:pPr marL="0" indent="0" algn="ctr">
-              <a:buNone/>
-            </a:pPr>
-            <a:r>
-              <a:rPr lang="zh-CN" altLang="en-US" sz="5400" b="1" dirty="0" smtClean="0">
-                <a:solidFill>
-                  <a:srgbClr val="002060"/>
-                </a:solidFill>
-                <a:ea typeface="Microsoft JhengHei" panose="020B0604030504040204" pitchFamily="34" charset="-120"/>
-              </a:rPr>
-              <a:t>惟獨耶穌再臨君王</a:t>
-            </a:r>
-            <a:endParaRPr lang="en-US" altLang="zh-CN" sz="5400" b="1" dirty="0" smtClean="0">
-              <a:solidFill>
-                <a:srgbClr val="002060"/>
-              </a:solidFill>
-              <a:ea typeface="Microsoft JhengHei" panose="020B0604030504040204" pitchFamily="34" charset="-120"/>
-            </a:endParaRPr>
-          </a:p>
-          <a:p>
-            <a:pPr marL="0" indent="0" algn="ctr">
-              <a:buNone/>
-            </a:pPr>
-            <a:r>
-              <a:rPr lang="zh-CN" altLang="en-US" sz="5400" b="1" dirty="0" smtClean="0">
-                <a:solidFill>
-                  <a:srgbClr val="002060"/>
-                </a:solidFill>
-                <a:ea typeface="Microsoft JhengHei" panose="020B0604030504040204" pitchFamily="34" charset="-120"/>
-              </a:rPr>
-              <a:t>儆醒等候主來之聲</a:t>
-            </a:r>
-            <a:endParaRPr lang="en-US" altLang="zh-CN" sz="5400" b="1" dirty="0" smtClean="0">
-              <a:solidFill>
-                <a:srgbClr val="002060"/>
-              </a:solidFill>
-              <a:ea typeface="Microsoft JhengHei" panose="020B0604030504040204" pitchFamily="34" charset="-120"/>
-            </a:endParaRPr>
-          </a:p>
-          <a:p>
-            <a:pPr marL="0" indent="0" algn="ctr">
-              <a:buNone/>
-            </a:pPr>
-            <a:r>
-              <a:rPr lang="zh-CN" altLang="en-US" sz="5400" b="1" dirty="0">
-                <a:solidFill>
-                  <a:srgbClr val="002060"/>
-                </a:solidFill>
-                <a:ea typeface="Microsoft JhengHei" panose="020B0604030504040204" pitchFamily="34" charset="-120"/>
-              </a:rPr>
-              <a:t>接我</a:t>
-            </a:r>
-            <a:r>
-              <a:rPr lang="zh-CN" altLang="en-US" sz="5400" b="1" dirty="0" smtClean="0">
-                <a:solidFill>
-                  <a:srgbClr val="002060"/>
-                </a:solidFill>
-                <a:ea typeface="Microsoft JhengHei" panose="020B0604030504040204" pitchFamily="34" charset="-120"/>
-              </a:rPr>
-              <a:t>昇天榮耀盼望</a:t>
-            </a:r>
-            <a:endParaRPr lang="en-US" altLang="zh-CN" sz="5400" b="1" dirty="0" smtClean="0">
-              <a:solidFill>
-                <a:srgbClr val="002060"/>
-              </a:solidFill>
-              <a:ea typeface="Microsoft JhengHei" panose="020B0604030504040204" pitchFamily="34" charset="-120"/>
-            </a:endParaRPr>
-          </a:p>
-          <a:p>
-            <a:pPr marL="0" indent="0" algn="ctr">
-              <a:buNone/>
-            </a:pPr>
-            <a:r>
-              <a:rPr lang="zh-CN" altLang="en-US" sz="5400" b="1" dirty="0">
-                <a:solidFill>
-                  <a:srgbClr val="002060"/>
-                </a:solidFill>
-                <a:ea typeface="Microsoft JhengHei" panose="020B0604030504040204" pitchFamily="34" charset="-120"/>
-              </a:rPr>
-              <a:t>惟</a:t>
-            </a:r>
-            <a:r>
-              <a:rPr lang="zh-CN" altLang="en-US" sz="5400" b="1" dirty="0" smtClean="0">
-                <a:solidFill>
-                  <a:srgbClr val="002060"/>
-                </a:solidFill>
-                <a:ea typeface="Microsoft JhengHei" panose="020B0604030504040204" pitchFamily="34" charset="-120"/>
-              </a:rPr>
-              <a:t>獨耶穌永生真神</a:t>
-            </a:r>
-            <a:endParaRPr lang="vi-VN" sz="5400" b="1" dirty="0">
-              <a:solidFill>
-                <a:srgbClr val="002060"/>
-              </a:solidFill>
-              <a:ea typeface="Microsoft JhengHei" panose="020B0604030504040204" pitchFamily="34" charset="-120"/>
-            </a:endParaRPr>
-          </a:p>
-        </p:txBody>
-      </p:sp>
-      <p:sp>
-        <p:nvSpPr>
-          <p:cNvPr id="4" name="TextBox 3"/>
-          <p:cNvSpPr txBox="1"/>
-          <p:nvPr/>
-        </p:nvSpPr>
-        <p:spPr>
-          <a:xfrm>
-            <a:off x="948690" y="1714501"/>
-            <a:ext cx="868680" cy="923330"/>
-          </a:xfrm>
-          <a:prstGeom prst="rect">
-            <a:avLst/>
-          </a:prstGeom>
-          <a:noFill/>
-        </p:spPr>
-        <p:txBody>
-          <a:bodyPr wrap="square" rtlCol="0">
-            <a:spAutoFit/>
-          </a:bodyPr>
-          <a:lstStyle/>
-          <a:p>
-            <a:r>
-              <a:rPr lang="en-US" sz="5400" b="1" dirty="0" smtClean="0">
-                <a:solidFill>
-                  <a:srgbClr val="002060"/>
-                </a:solidFill>
-              </a:rPr>
-              <a:t>5.</a:t>
-            </a:r>
-            <a:endParaRPr lang="vi-VN" sz="5400" b="1" dirty="0">
-              <a:solidFill>
-                <a:srgbClr val="002060"/>
-              </a:solidFill>
-            </a:endParaRPr>
-          </a:p>
-        </p:txBody>
-      </p:sp>
     </p:spTree>
     <p:extLst>
       <p:ext uri="{BB962C8B-B14F-4D97-AF65-F5344CB8AC3E}">
-        <p14:creationId xmlns:p14="http://schemas.microsoft.com/office/powerpoint/2010/main" val="3427549423"/>
+        <p14:creationId xmlns:p14="http://schemas.microsoft.com/office/powerpoint/2010/main" val="1340918182"/>
       </p:ext>
     </p:extLst>
   </p:cSld>
   <p:clrMapOvr>
     <a:masterClrMapping/>
   </p:clrMapOvr>
+  <p:timing>
+    <p:tnLst>
+      <p:par>
+        <p:cTn id="1" dur="indefinite" restart="never" nodeType="tmRoot"/>
+      </p:par>
+    </p:tnLst>
+  </p:timing>
 </p:sld>
 </file>
 
